--- a/Telescope/EtudeTheorique/images/Figures.pptx
+++ b/Telescope/EtudeTheorique/images/Figures.pptx
@@ -6,7 +6,10 @@
   </p:sldMasterIdLst>
   <p:sldIdLst>
     <p:sldId id="256" r:id="rId2"/>
-    <p:sldId id="257" r:id="rId3"/>
+    <p:sldId id="260" r:id="rId3"/>
+    <p:sldId id="257" r:id="rId4"/>
+    <p:sldId id="258" r:id="rId5"/>
+    <p:sldId id="259" r:id="rId6"/>
   </p:sldIdLst>
   <p:sldSz cx="9144000" cy="6858000" type="screen4x3"/>
   <p:notesSz cx="6858000" cy="9144000"/>
@@ -289,7 +292,7 @@
           <a:p>
             <a:fld id="{AA309A6D-C09C-4548-B29A-6CF363A7E532}" type="datetimeFigureOut">
               <a:rPr lang="fr-FR" smtClean="0"/>
-              <a:t>05/01/2016</a:t>
+              <a:t>07/01/2016</a:t>
             </a:fld>
             <a:endParaRPr lang="fr-BE"/>
           </a:p>
@@ -454,7 +457,7 @@
           <a:p>
             <a:fld id="{AA309A6D-C09C-4548-B29A-6CF363A7E532}" type="datetimeFigureOut">
               <a:rPr lang="fr-FR" smtClean="0"/>
-              <a:t>05/01/2016</a:t>
+              <a:t>07/01/2016</a:t>
             </a:fld>
             <a:endParaRPr lang="fr-BE"/>
           </a:p>
@@ -629,7 +632,7 @@
           <a:p>
             <a:fld id="{AA309A6D-C09C-4548-B29A-6CF363A7E532}" type="datetimeFigureOut">
               <a:rPr lang="fr-FR" smtClean="0"/>
-              <a:t>05/01/2016</a:t>
+              <a:t>07/01/2016</a:t>
             </a:fld>
             <a:endParaRPr lang="fr-BE"/>
           </a:p>
@@ -794,7 +797,7 @@
           <a:p>
             <a:fld id="{AA309A6D-C09C-4548-B29A-6CF363A7E532}" type="datetimeFigureOut">
               <a:rPr lang="fr-FR" smtClean="0"/>
-              <a:t>05/01/2016</a:t>
+              <a:t>07/01/2016</a:t>
             </a:fld>
             <a:endParaRPr lang="fr-BE"/>
           </a:p>
@@ -1035,7 +1038,7 @@
           <a:p>
             <a:fld id="{AA309A6D-C09C-4548-B29A-6CF363A7E532}" type="datetimeFigureOut">
               <a:rPr lang="fr-FR" smtClean="0"/>
-              <a:t>05/01/2016</a:t>
+              <a:t>07/01/2016</a:t>
             </a:fld>
             <a:endParaRPr lang="fr-BE"/>
           </a:p>
@@ -1318,7 +1321,7 @@
           <a:p>
             <a:fld id="{AA309A6D-C09C-4548-B29A-6CF363A7E532}" type="datetimeFigureOut">
               <a:rPr lang="fr-FR" smtClean="0"/>
-              <a:t>05/01/2016</a:t>
+              <a:t>07/01/2016</a:t>
             </a:fld>
             <a:endParaRPr lang="fr-BE"/>
           </a:p>
@@ -1735,7 +1738,7 @@
           <a:p>
             <a:fld id="{AA309A6D-C09C-4548-B29A-6CF363A7E532}" type="datetimeFigureOut">
               <a:rPr lang="fr-FR" smtClean="0"/>
-              <a:t>05/01/2016</a:t>
+              <a:t>07/01/2016</a:t>
             </a:fld>
             <a:endParaRPr lang="fr-BE"/>
           </a:p>
@@ -1848,7 +1851,7 @@
           <a:p>
             <a:fld id="{AA309A6D-C09C-4548-B29A-6CF363A7E532}" type="datetimeFigureOut">
               <a:rPr lang="fr-FR" smtClean="0"/>
-              <a:t>05/01/2016</a:t>
+              <a:t>07/01/2016</a:t>
             </a:fld>
             <a:endParaRPr lang="fr-BE"/>
           </a:p>
@@ -1938,7 +1941,7 @@
           <a:p>
             <a:fld id="{AA309A6D-C09C-4548-B29A-6CF363A7E532}" type="datetimeFigureOut">
               <a:rPr lang="fr-FR" smtClean="0"/>
-              <a:t>05/01/2016</a:t>
+              <a:t>07/01/2016</a:t>
             </a:fld>
             <a:endParaRPr lang="fr-BE"/>
           </a:p>
@@ -2210,7 +2213,7 @@
           <a:p>
             <a:fld id="{AA309A6D-C09C-4548-B29A-6CF363A7E532}" type="datetimeFigureOut">
               <a:rPr lang="fr-FR" smtClean="0"/>
-              <a:t>05/01/2016</a:t>
+              <a:t>07/01/2016</a:t>
             </a:fld>
             <a:endParaRPr lang="fr-BE"/>
           </a:p>
@@ -2458,7 +2461,7 @@
           <a:p>
             <a:fld id="{AA309A6D-C09C-4548-B29A-6CF363A7E532}" type="datetimeFigureOut">
               <a:rPr lang="fr-FR" smtClean="0"/>
-              <a:t>05/01/2016</a:t>
+              <a:t>07/01/2016</a:t>
             </a:fld>
             <a:endParaRPr lang="fr-BE"/>
           </a:p>
@@ -2666,7 +2669,7 @@
           <a:p>
             <a:fld id="{AA309A6D-C09C-4548-B29A-6CF363A7E532}" type="datetimeFigureOut">
               <a:rPr lang="fr-FR" smtClean="0"/>
-              <a:t>05/01/2016</a:t>
+              <a:t>07/01/2016</a:t>
             </a:fld>
             <a:endParaRPr lang="fr-BE"/>
           </a:p>
@@ -3889,8 +3892,8 @@
           </a:p>
         </p:txBody>
       </p:sp>
-      <mc:AlternateContent xmlns:mc="http://schemas.openxmlformats.org/markup-compatibility/2006">
-        <mc:Choice xmlns:a14="http://schemas.microsoft.com/office/drawing/2010/main" Requires="a14">
+      <mc:AlternateContent xmlns:mc="http://schemas.openxmlformats.org/markup-compatibility/2006" xmlns:a14="http://schemas.microsoft.com/office/drawing/2010/main">
+        <mc:Choice Requires="a14">
           <p:sp>
             <p:nvSpPr>
               <p:cNvPr id="51" name="ZoneTexte 50"/>
@@ -3913,6 +3916,7 @@
               </a:bodyPr>
               <a:lstStyle/>
               <a:p>
+                <a:pPr/>
                 <a14:m>
                   <m:oMathPara xmlns:m="http://schemas.openxmlformats.org/officeDocument/2006/math">
                     <m:oMathParaPr>
@@ -3933,7 +3937,7 @@
             </p:txBody>
           </p:sp>
         </mc:Choice>
-        <mc:Fallback>
+        <mc:Fallback xmlns="">
           <p:sp>
             <p:nvSpPr>
               <p:cNvPr id="51" name="ZoneTexte 50"/>
@@ -3972,8 +3976,8 @@
           </p:sp>
         </mc:Fallback>
       </mc:AlternateContent>
-      <mc:AlternateContent xmlns:mc="http://schemas.openxmlformats.org/markup-compatibility/2006">
-        <mc:Choice xmlns:a14="http://schemas.microsoft.com/office/drawing/2010/main" Requires="a14">
+      <mc:AlternateContent xmlns:mc="http://schemas.openxmlformats.org/markup-compatibility/2006" xmlns:a14="http://schemas.microsoft.com/office/drawing/2010/main">
+        <mc:Choice Requires="a14">
           <p:sp>
             <p:nvSpPr>
               <p:cNvPr id="52" name="ZoneTexte 51"/>
@@ -3996,6 +4000,7 @@
               </a:bodyPr>
               <a:lstStyle/>
               <a:p>
+                <a:pPr/>
                 <a14:m>
                   <m:oMathPara xmlns:m="http://schemas.openxmlformats.org/officeDocument/2006/math">
                     <m:oMathParaPr>
@@ -4016,7 +4021,7 @@
             </p:txBody>
           </p:sp>
         </mc:Choice>
-        <mc:Fallback>
+        <mc:Fallback xmlns="">
           <p:sp>
             <p:nvSpPr>
               <p:cNvPr id="52" name="ZoneTexte 51"/>
@@ -4055,8 +4060,8 @@
           </p:sp>
         </mc:Fallback>
       </mc:AlternateContent>
-      <mc:AlternateContent xmlns:mc="http://schemas.openxmlformats.org/markup-compatibility/2006">
-        <mc:Choice xmlns:a14="http://schemas.microsoft.com/office/drawing/2010/main" Requires="a14">
+      <mc:AlternateContent xmlns:mc="http://schemas.openxmlformats.org/markup-compatibility/2006" xmlns:a14="http://schemas.microsoft.com/office/drawing/2010/main">
+        <mc:Choice Requires="a14">
           <p:sp>
             <p:nvSpPr>
               <p:cNvPr id="53" name="ZoneTexte 52"/>
@@ -4079,6 +4084,7 @@
               </a:bodyPr>
               <a:lstStyle/>
               <a:p>
+                <a:pPr/>
                 <a14:m>
                   <m:oMathPara xmlns:m="http://schemas.openxmlformats.org/officeDocument/2006/math">
                     <m:oMathParaPr>
@@ -4099,7 +4105,7 @@
             </p:txBody>
           </p:sp>
         </mc:Choice>
-        <mc:Fallback>
+        <mc:Fallback xmlns="">
           <p:sp>
             <p:nvSpPr>
               <p:cNvPr id="53" name="ZoneTexte 52"/>
@@ -4138,8 +4144,8 @@
           </p:sp>
         </mc:Fallback>
       </mc:AlternateContent>
-      <mc:AlternateContent xmlns:mc="http://schemas.openxmlformats.org/markup-compatibility/2006">
-        <mc:Choice xmlns:a14="http://schemas.microsoft.com/office/drawing/2010/main" Requires="a14">
+      <mc:AlternateContent xmlns:mc="http://schemas.openxmlformats.org/markup-compatibility/2006" xmlns:a14="http://schemas.microsoft.com/office/drawing/2010/main">
+        <mc:Choice Requires="a14">
           <p:sp>
             <p:nvSpPr>
               <p:cNvPr id="54" name="ZoneTexte 53"/>
@@ -4162,6 +4168,7 @@
               </a:bodyPr>
               <a:lstStyle/>
               <a:p>
+                <a:pPr/>
                 <a14:m>
                   <m:oMathPara xmlns:m="http://schemas.openxmlformats.org/officeDocument/2006/math">
                     <m:oMathParaPr>
@@ -4213,7 +4220,7 @@
             </p:txBody>
           </p:sp>
         </mc:Choice>
-        <mc:Fallback>
+        <mc:Fallback xmlns="">
           <p:sp>
             <p:nvSpPr>
               <p:cNvPr id="54" name="ZoneTexte 53"/>
@@ -4252,8 +4259,8 @@
           </p:sp>
         </mc:Fallback>
       </mc:AlternateContent>
-      <mc:AlternateContent xmlns:mc="http://schemas.openxmlformats.org/markup-compatibility/2006">
-        <mc:Choice xmlns:a14="http://schemas.microsoft.com/office/drawing/2010/main" Requires="a14">
+      <mc:AlternateContent xmlns:mc="http://schemas.openxmlformats.org/markup-compatibility/2006" xmlns:a14="http://schemas.microsoft.com/office/drawing/2010/main">
+        <mc:Choice Requires="a14">
           <p:sp>
             <p:nvSpPr>
               <p:cNvPr id="55" name="ZoneTexte 54"/>
@@ -4276,6 +4283,7 @@
               </a:bodyPr>
               <a:lstStyle/>
               <a:p>
+                <a:pPr/>
                 <a14:m>
                   <m:oMathPara xmlns:m="http://schemas.openxmlformats.org/officeDocument/2006/math">
                     <m:oMathParaPr>
@@ -4327,7 +4335,7 @@
             </p:txBody>
           </p:sp>
         </mc:Choice>
-        <mc:Fallback>
+        <mc:Fallback xmlns="">
           <p:sp>
             <p:nvSpPr>
               <p:cNvPr id="55" name="ZoneTexte 54"/>
@@ -4366,8 +4374,8 @@
           </p:sp>
         </mc:Fallback>
       </mc:AlternateContent>
-      <mc:AlternateContent xmlns:mc="http://schemas.openxmlformats.org/markup-compatibility/2006">
-        <mc:Choice xmlns:a14="http://schemas.microsoft.com/office/drawing/2010/main" Requires="a14">
+      <mc:AlternateContent xmlns:mc="http://schemas.openxmlformats.org/markup-compatibility/2006" xmlns:a14="http://schemas.microsoft.com/office/drawing/2010/main">
+        <mc:Choice Requires="a14">
           <p:sp>
             <p:nvSpPr>
               <p:cNvPr id="56" name="ZoneTexte 55"/>
@@ -4390,6 +4398,7 @@
               </a:bodyPr>
               <a:lstStyle/>
               <a:p>
+                <a:pPr/>
                 <a14:m>
                   <m:oMathPara xmlns:m="http://schemas.openxmlformats.org/officeDocument/2006/math">
                     <m:oMathParaPr>
@@ -4441,7 +4450,7 @@
             </p:txBody>
           </p:sp>
         </mc:Choice>
-        <mc:Fallback>
+        <mc:Fallback xmlns="">
           <p:sp>
             <p:nvSpPr>
               <p:cNvPr id="56" name="ZoneTexte 55"/>
@@ -4521,8 +4530,8 @@
           </a:fontRef>
         </p:style>
       </p:cxnSp>
-      <mc:AlternateContent xmlns:mc="http://schemas.openxmlformats.org/markup-compatibility/2006">
-        <mc:Choice xmlns:a14="http://schemas.microsoft.com/office/drawing/2010/main" Requires="a14">
+      <mc:AlternateContent xmlns:mc="http://schemas.openxmlformats.org/markup-compatibility/2006" xmlns:a14="http://schemas.microsoft.com/office/drawing/2010/main">
+        <mc:Choice Requires="a14">
           <p:sp>
             <p:nvSpPr>
               <p:cNvPr id="59" name="ZoneTexte 58"/>
@@ -4545,6 +4554,7 @@
               </a:bodyPr>
               <a:lstStyle/>
               <a:p>
+                <a:pPr/>
                 <a14:m>
                   <m:oMathPara xmlns:m="http://schemas.openxmlformats.org/officeDocument/2006/math">
                     <m:oMathParaPr>
@@ -4596,7 +4606,7 @@
             </p:txBody>
           </p:sp>
         </mc:Choice>
-        <mc:Fallback>
+        <mc:Fallback xmlns="">
           <p:sp>
             <p:nvSpPr>
               <p:cNvPr id="59" name="ZoneTexte 58"/>
@@ -4676,8 +4686,8 @@
           </a:fontRef>
         </p:style>
       </p:cxnSp>
-      <mc:AlternateContent xmlns:mc="http://schemas.openxmlformats.org/markup-compatibility/2006">
-        <mc:Choice xmlns:a14="http://schemas.microsoft.com/office/drawing/2010/main" Requires="a14">
+      <mc:AlternateContent xmlns:mc="http://schemas.openxmlformats.org/markup-compatibility/2006" xmlns:a14="http://schemas.microsoft.com/office/drawing/2010/main">
+        <mc:Choice Requires="a14">
           <p:sp>
             <p:nvSpPr>
               <p:cNvPr id="67" name="ZoneTexte 66"/>
@@ -4700,6 +4710,7 @@
               </a:bodyPr>
               <a:lstStyle/>
               <a:p>
+                <a:pPr/>
                 <a14:m>
                   <m:oMathPara xmlns:m="http://schemas.openxmlformats.org/officeDocument/2006/math">
                     <m:oMathParaPr>
@@ -4751,7 +4762,7 @@
             </p:txBody>
           </p:sp>
         </mc:Choice>
-        <mc:Fallback>
+        <mc:Fallback xmlns="">
           <p:sp>
             <p:nvSpPr>
               <p:cNvPr id="67" name="ZoneTexte 66"/>
@@ -4820,6 +4831,2227 @@
           <a:chExt cx="0" cy="0"/>
         </a:xfrm>
       </p:grpSpPr>
+      <p:cxnSp>
+        <p:nvCxnSpPr>
+          <p:cNvPr id="11" name="Connecteur droit 10"/>
+          <p:cNvCxnSpPr/>
+          <p:nvPr/>
+        </p:nvCxnSpPr>
+        <p:spPr>
+          <a:xfrm flipV="1">
+            <a:off x="2415969" y="1556792"/>
+            <a:ext cx="0" cy="1152128"/>
+          </a:xfrm>
+          <a:prstGeom prst="line">
+            <a:avLst/>
+          </a:prstGeom>
+          <a:ln w="19050">
+            <a:tailEnd type="stealth" w="med" len="lg"/>
+          </a:ln>
+        </p:spPr>
+        <p:style>
+          <a:lnRef idx="1">
+            <a:schemeClr val="accent1"/>
+          </a:lnRef>
+          <a:fillRef idx="0">
+            <a:schemeClr val="accent1"/>
+          </a:fillRef>
+          <a:effectRef idx="0">
+            <a:schemeClr val="accent1"/>
+          </a:effectRef>
+          <a:fontRef idx="minor">
+            <a:schemeClr val="tx1"/>
+          </a:fontRef>
+        </p:style>
+      </p:cxnSp>
+      <p:sp>
+        <p:nvSpPr>
+          <p:cNvPr id="46" name="Ellipse 45"/>
+          <p:cNvSpPr/>
+          <p:nvPr/>
+        </p:nvSpPr>
+        <p:spPr>
+          <a:xfrm>
+            <a:off x="2307957" y="2472800"/>
+            <a:ext cx="216024" cy="144016"/>
+          </a:xfrm>
+          <a:prstGeom prst="ellipse">
+            <a:avLst/>
+          </a:prstGeom>
+          <a:solidFill>
+            <a:schemeClr val="bg1"/>
+          </a:solidFill>
+          <a:ln>
+            <a:solidFill>
+              <a:srgbClr val="7030A0"/>
+            </a:solidFill>
+          </a:ln>
+        </p:spPr>
+        <p:style>
+          <a:lnRef idx="2">
+            <a:schemeClr val="accent1">
+              <a:shade val="50000"/>
+            </a:schemeClr>
+          </a:lnRef>
+          <a:fillRef idx="1">
+            <a:schemeClr val="accent1"/>
+          </a:fillRef>
+          <a:effectRef idx="0">
+            <a:schemeClr val="accent1"/>
+          </a:effectRef>
+          <a:fontRef idx="minor">
+            <a:schemeClr val="lt1"/>
+          </a:fontRef>
+        </p:style>
+        <p:txBody>
+          <a:bodyPr rtlCol="0" anchor="ctr"/>
+          <a:lstStyle/>
+          <a:p>
+            <a:pPr algn="ctr"/>
+            <a:endParaRPr lang="fr-FR"/>
+          </a:p>
+        </p:txBody>
+      </p:sp>
+      <p:cxnSp>
+        <p:nvCxnSpPr>
+          <p:cNvPr id="21" name="Connecteur droit 20"/>
+          <p:cNvCxnSpPr/>
+          <p:nvPr/>
+        </p:nvCxnSpPr>
+        <p:spPr>
+          <a:xfrm>
+            <a:off x="2408361" y="1984973"/>
+            <a:ext cx="726878" cy="417102"/>
+          </a:xfrm>
+          <a:prstGeom prst="line">
+            <a:avLst/>
+          </a:prstGeom>
+          <a:solidFill>
+            <a:schemeClr val="bg1"/>
+          </a:solidFill>
+          <a:ln>
+            <a:solidFill>
+              <a:srgbClr val="7030A0"/>
+            </a:solidFill>
+          </a:ln>
+        </p:spPr>
+        <p:style>
+          <a:lnRef idx="2">
+            <a:schemeClr val="accent1">
+              <a:shade val="50000"/>
+            </a:schemeClr>
+          </a:lnRef>
+          <a:fillRef idx="1">
+            <a:schemeClr val="accent1"/>
+          </a:fillRef>
+          <a:effectRef idx="0">
+            <a:schemeClr val="accent1"/>
+          </a:effectRef>
+          <a:fontRef idx="minor">
+            <a:schemeClr val="lt1"/>
+          </a:fontRef>
+        </p:style>
+      </p:cxnSp>
+      <p:cxnSp>
+        <p:nvCxnSpPr>
+          <p:cNvPr id="20" name="Connecteur droit 19"/>
+          <p:cNvCxnSpPr/>
+          <p:nvPr/>
+        </p:nvCxnSpPr>
+        <p:spPr>
+          <a:xfrm flipH="1">
+            <a:off x="3090055" y="2042371"/>
+            <a:ext cx="720080" cy="360040"/>
+          </a:xfrm>
+          <a:prstGeom prst="line">
+            <a:avLst/>
+          </a:prstGeom>
+          <a:solidFill>
+            <a:schemeClr val="bg1"/>
+          </a:solidFill>
+          <a:ln>
+            <a:solidFill>
+              <a:srgbClr val="00B050"/>
+            </a:solidFill>
+          </a:ln>
+        </p:spPr>
+        <p:style>
+          <a:lnRef idx="2">
+            <a:schemeClr val="accent1">
+              <a:shade val="50000"/>
+            </a:schemeClr>
+          </a:lnRef>
+          <a:fillRef idx="1">
+            <a:schemeClr val="accent1"/>
+          </a:fillRef>
+          <a:effectRef idx="0">
+            <a:schemeClr val="accent1"/>
+          </a:effectRef>
+          <a:fontRef idx="minor">
+            <a:schemeClr val="lt1"/>
+          </a:fontRef>
+        </p:style>
+      </p:cxnSp>
+      <p:sp>
+        <p:nvSpPr>
+          <p:cNvPr id="19" name="Ellipse 18"/>
+          <p:cNvSpPr/>
+          <p:nvPr/>
+        </p:nvSpPr>
+        <p:spPr>
+          <a:xfrm rot="18000000">
+            <a:off x="2858633" y="2251062"/>
+            <a:ext cx="216024" cy="144016"/>
+          </a:xfrm>
+          <a:prstGeom prst="ellipse">
+            <a:avLst/>
+          </a:prstGeom>
+          <a:solidFill>
+            <a:schemeClr val="bg1"/>
+          </a:solidFill>
+          <a:ln>
+            <a:solidFill>
+              <a:srgbClr val="7030A0"/>
+            </a:solidFill>
+          </a:ln>
+        </p:spPr>
+        <p:style>
+          <a:lnRef idx="2">
+            <a:schemeClr val="accent1">
+              <a:shade val="50000"/>
+            </a:schemeClr>
+          </a:lnRef>
+          <a:fillRef idx="1">
+            <a:schemeClr val="accent1"/>
+          </a:fillRef>
+          <a:effectRef idx="0">
+            <a:schemeClr val="accent1"/>
+          </a:effectRef>
+          <a:fontRef idx="minor">
+            <a:schemeClr val="lt1"/>
+          </a:fontRef>
+        </p:style>
+        <p:txBody>
+          <a:bodyPr rtlCol="0" anchor="ctr"/>
+          <a:lstStyle/>
+          <a:p>
+            <a:pPr algn="ctr"/>
+            <a:endParaRPr lang="fr-FR"/>
+          </a:p>
+        </p:txBody>
+      </p:sp>
+      <p:cxnSp>
+        <p:nvCxnSpPr>
+          <p:cNvPr id="6" name="Connecteur droit 5"/>
+          <p:cNvCxnSpPr/>
+          <p:nvPr/>
+        </p:nvCxnSpPr>
+        <p:spPr>
+          <a:xfrm flipH="1">
+            <a:off x="1701728" y="2780928"/>
+            <a:ext cx="720080" cy="360040"/>
+          </a:xfrm>
+          <a:prstGeom prst="line">
+            <a:avLst/>
+          </a:prstGeom>
+          <a:ln w="19050">
+            <a:tailEnd type="stealth" w="med" len="lg"/>
+          </a:ln>
+        </p:spPr>
+        <p:style>
+          <a:lnRef idx="1">
+            <a:schemeClr val="accent1"/>
+          </a:lnRef>
+          <a:fillRef idx="0">
+            <a:schemeClr val="accent1"/>
+          </a:fillRef>
+          <a:effectRef idx="0">
+            <a:schemeClr val="accent1"/>
+          </a:effectRef>
+          <a:fontRef idx="minor">
+            <a:schemeClr val="tx1"/>
+          </a:fontRef>
+        </p:style>
+      </p:cxnSp>
+      <p:cxnSp>
+        <p:nvCxnSpPr>
+          <p:cNvPr id="7" name="Connecteur droit 6"/>
+          <p:cNvCxnSpPr/>
+          <p:nvPr/>
+        </p:nvCxnSpPr>
+        <p:spPr>
+          <a:xfrm>
+            <a:off x="2421808" y="2780928"/>
+            <a:ext cx="720080" cy="360040"/>
+          </a:xfrm>
+          <a:prstGeom prst="line">
+            <a:avLst/>
+          </a:prstGeom>
+          <a:ln w="19050">
+            <a:tailEnd type="stealth" w="med" len="lg"/>
+          </a:ln>
+        </p:spPr>
+        <p:style>
+          <a:lnRef idx="1">
+            <a:schemeClr val="accent1"/>
+          </a:lnRef>
+          <a:fillRef idx="0">
+            <a:schemeClr val="accent1"/>
+          </a:fillRef>
+          <a:effectRef idx="0">
+            <a:schemeClr val="accent1"/>
+          </a:effectRef>
+          <a:fontRef idx="minor">
+            <a:schemeClr val="tx1"/>
+          </a:fontRef>
+        </p:style>
+      </p:cxnSp>
+      <p:sp>
+        <p:nvSpPr>
+          <p:cNvPr id="16" name="Organigramme : Disque magnétique 15"/>
+          <p:cNvSpPr/>
+          <p:nvPr/>
+        </p:nvSpPr>
+        <p:spPr>
+          <a:xfrm rot="7200000">
+            <a:off x="3017890" y="2200831"/>
+            <a:ext cx="216024" cy="432000"/>
+          </a:xfrm>
+          <a:prstGeom prst="flowChartMagneticDisk">
+            <a:avLst/>
+          </a:prstGeom>
+          <a:solidFill>
+            <a:schemeClr val="bg1"/>
+          </a:solidFill>
+          <a:ln>
+            <a:solidFill>
+              <a:srgbClr val="00B050"/>
+            </a:solidFill>
+          </a:ln>
+        </p:spPr>
+        <p:style>
+          <a:lnRef idx="2">
+            <a:schemeClr val="accent1">
+              <a:shade val="50000"/>
+            </a:schemeClr>
+          </a:lnRef>
+          <a:fillRef idx="1">
+            <a:schemeClr val="accent1"/>
+          </a:fillRef>
+          <a:effectRef idx="0">
+            <a:schemeClr val="accent1"/>
+          </a:effectRef>
+          <a:fontRef idx="minor">
+            <a:schemeClr val="lt1"/>
+          </a:fontRef>
+        </p:style>
+        <p:txBody>
+          <a:bodyPr rtlCol="0" anchor="ctr"/>
+          <a:lstStyle/>
+          <a:p>
+            <a:pPr algn="ctr"/>
+            <a:endParaRPr lang="fr-FR"/>
+          </a:p>
+        </p:txBody>
+      </p:sp>
+      <p:sp>
+        <p:nvSpPr>
+          <p:cNvPr id="18" name="Ellipse 17"/>
+          <p:cNvSpPr/>
+          <p:nvPr/>
+        </p:nvSpPr>
+        <p:spPr>
+          <a:xfrm rot="18000000">
+            <a:off x="3177679" y="2435358"/>
+            <a:ext cx="216024" cy="144016"/>
+          </a:xfrm>
+          <a:prstGeom prst="ellipse">
+            <a:avLst/>
+          </a:prstGeom>
+          <a:solidFill>
+            <a:schemeClr val="bg1"/>
+          </a:solidFill>
+          <a:ln>
+            <a:solidFill>
+              <a:srgbClr val="7030A0"/>
+            </a:solidFill>
+          </a:ln>
+        </p:spPr>
+        <p:style>
+          <a:lnRef idx="2">
+            <a:schemeClr val="accent1">
+              <a:shade val="50000"/>
+            </a:schemeClr>
+          </a:lnRef>
+          <a:fillRef idx="1">
+            <a:schemeClr val="accent1"/>
+          </a:fillRef>
+          <a:effectRef idx="0">
+            <a:schemeClr val="accent1"/>
+          </a:effectRef>
+          <a:fontRef idx="minor">
+            <a:schemeClr val="lt1"/>
+          </a:fontRef>
+        </p:style>
+        <p:txBody>
+          <a:bodyPr rtlCol="0" anchor="ctr"/>
+          <a:lstStyle/>
+          <a:p>
+            <a:pPr algn="ctr"/>
+            <a:endParaRPr lang="fr-FR"/>
+          </a:p>
+        </p:txBody>
+      </p:sp>
+      <p:cxnSp>
+        <p:nvCxnSpPr>
+          <p:cNvPr id="27" name="Connecteur droit 26"/>
+          <p:cNvCxnSpPr/>
+          <p:nvPr/>
+        </p:nvCxnSpPr>
+        <p:spPr>
+          <a:xfrm>
+            <a:off x="3280206" y="2503027"/>
+            <a:ext cx="148913" cy="97515"/>
+          </a:xfrm>
+          <a:prstGeom prst="line">
+            <a:avLst/>
+          </a:prstGeom>
+          <a:solidFill>
+            <a:schemeClr val="bg1"/>
+          </a:solidFill>
+          <a:ln>
+            <a:solidFill>
+              <a:srgbClr val="7030A0"/>
+            </a:solidFill>
+          </a:ln>
+        </p:spPr>
+        <p:style>
+          <a:lnRef idx="2">
+            <a:schemeClr val="accent1">
+              <a:shade val="50000"/>
+            </a:schemeClr>
+          </a:lnRef>
+          <a:fillRef idx="1">
+            <a:schemeClr val="accent1"/>
+          </a:fillRef>
+          <a:effectRef idx="0">
+            <a:schemeClr val="accent1"/>
+          </a:effectRef>
+          <a:fontRef idx="minor">
+            <a:schemeClr val="lt1"/>
+          </a:fontRef>
+        </p:style>
+      </p:cxnSp>
+      <p:sp>
+        <p:nvSpPr>
+          <p:cNvPr id="4" name="Organigramme : Disque magnétique 3"/>
+          <p:cNvSpPr/>
+          <p:nvPr/>
+        </p:nvSpPr>
+        <p:spPr>
+          <a:xfrm>
+            <a:off x="2307957" y="2132880"/>
+            <a:ext cx="216024" cy="432000"/>
+          </a:xfrm>
+          <a:prstGeom prst="flowChartMagneticDisk">
+            <a:avLst/>
+          </a:prstGeom>
+          <a:solidFill>
+            <a:schemeClr val="bg1"/>
+          </a:solidFill>
+          <a:ln>
+            <a:solidFill>
+              <a:schemeClr val="tx1"/>
+            </a:solidFill>
+          </a:ln>
+        </p:spPr>
+        <p:style>
+          <a:lnRef idx="2">
+            <a:schemeClr val="accent1">
+              <a:shade val="50000"/>
+            </a:schemeClr>
+          </a:lnRef>
+          <a:fillRef idx="1">
+            <a:schemeClr val="accent1"/>
+          </a:fillRef>
+          <a:effectRef idx="0">
+            <a:schemeClr val="accent1"/>
+          </a:effectRef>
+          <a:fontRef idx="minor">
+            <a:schemeClr val="lt1"/>
+          </a:fontRef>
+        </p:style>
+        <p:txBody>
+          <a:bodyPr rtlCol="0" anchor="ctr"/>
+          <a:lstStyle/>
+          <a:p>
+            <a:pPr algn="ctr"/>
+            <a:endParaRPr lang="fr-FR"/>
+          </a:p>
+        </p:txBody>
+      </p:sp>
+      <p:sp>
+        <p:nvSpPr>
+          <p:cNvPr id="17" name="Ellipse 16"/>
+          <p:cNvSpPr/>
+          <p:nvPr/>
+        </p:nvSpPr>
+        <p:spPr>
+          <a:xfrm>
+            <a:off x="2307957" y="2078375"/>
+            <a:ext cx="216024" cy="144016"/>
+          </a:xfrm>
+          <a:prstGeom prst="ellipse">
+            <a:avLst/>
+          </a:prstGeom>
+          <a:solidFill>
+            <a:schemeClr val="bg1"/>
+          </a:solidFill>
+          <a:ln>
+            <a:solidFill>
+              <a:srgbClr val="7030A0"/>
+            </a:solidFill>
+          </a:ln>
+        </p:spPr>
+        <p:style>
+          <a:lnRef idx="2">
+            <a:schemeClr val="accent1">
+              <a:shade val="50000"/>
+            </a:schemeClr>
+          </a:lnRef>
+          <a:fillRef idx="1">
+            <a:schemeClr val="accent1"/>
+          </a:fillRef>
+          <a:effectRef idx="0">
+            <a:schemeClr val="accent1"/>
+          </a:effectRef>
+          <a:fontRef idx="minor">
+            <a:schemeClr val="lt1"/>
+          </a:fontRef>
+        </p:style>
+        <p:txBody>
+          <a:bodyPr rtlCol="0" anchor="ctr"/>
+          <a:lstStyle/>
+          <a:p>
+            <a:pPr algn="ctr"/>
+            <a:endParaRPr lang="fr-FR"/>
+          </a:p>
+        </p:txBody>
+      </p:sp>
+      <p:cxnSp>
+        <p:nvCxnSpPr>
+          <p:cNvPr id="31" name="Connecteur droit 30"/>
+          <p:cNvCxnSpPr/>
+          <p:nvPr/>
+        </p:nvCxnSpPr>
+        <p:spPr>
+          <a:xfrm flipV="1">
+            <a:off x="2415969" y="1984973"/>
+            <a:ext cx="0" cy="156128"/>
+          </a:xfrm>
+          <a:prstGeom prst="line">
+            <a:avLst/>
+          </a:prstGeom>
+          <a:solidFill>
+            <a:schemeClr val="bg1"/>
+          </a:solidFill>
+          <a:ln>
+            <a:solidFill>
+              <a:srgbClr val="7030A0"/>
+            </a:solidFill>
+          </a:ln>
+        </p:spPr>
+        <p:style>
+          <a:lnRef idx="2">
+            <a:schemeClr val="accent1">
+              <a:shade val="50000"/>
+            </a:schemeClr>
+          </a:lnRef>
+          <a:fillRef idx="1">
+            <a:schemeClr val="accent1"/>
+          </a:fillRef>
+          <a:effectRef idx="0">
+            <a:schemeClr val="accent1"/>
+          </a:effectRef>
+          <a:fontRef idx="minor">
+            <a:schemeClr val="lt1"/>
+          </a:fontRef>
+        </p:style>
+      </p:cxnSp>
+      <p:cxnSp>
+        <p:nvCxnSpPr>
+          <p:cNvPr id="43" name="Connecteur droit 42"/>
+          <p:cNvCxnSpPr/>
+          <p:nvPr/>
+        </p:nvCxnSpPr>
+        <p:spPr>
+          <a:xfrm flipV="1">
+            <a:off x="2415969" y="2620144"/>
+            <a:ext cx="0" cy="156128"/>
+          </a:xfrm>
+          <a:prstGeom prst="line">
+            <a:avLst/>
+          </a:prstGeom>
+          <a:solidFill>
+            <a:schemeClr val="bg1"/>
+          </a:solidFill>
+          <a:ln>
+            <a:solidFill>
+              <a:srgbClr val="7030A0"/>
+            </a:solidFill>
+          </a:ln>
+        </p:spPr>
+        <p:style>
+          <a:lnRef idx="2">
+            <a:schemeClr val="accent1">
+              <a:shade val="50000"/>
+            </a:schemeClr>
+          </a:lnRef>
+          <a:fillRef idx="1">
+            <a:schemeClr val="accent1"/>
+          </a:fillRef>
+          <a:effectRef idx="0">
+            <a:schemeClr val="accent1"/>
+          </a:effectRef>
+          <a:fontRef idx="minor">
+            <a:schemeClr val="lt1"/>
+          </a:fontRef>
+        </p:style>
+      </p:cxnSp>
+      <p:cxnSp>
+        <p:nvCxnSpPr>
+          <p:cNvPr id="44" name="Connecteur droit 43"/>
+          <p:cNvCxnSpPr/>
+          <p:nvPr/>
+        </p:nvCxnSpPr>
+        <p:spPr>
+          <a:xfrm flipH="1">
+            <a:off x="1979712" y="2344674"/>
+            <a:ext cx="360040" cy="180020"/>
+          </a:xfrm>
+          <a:prstGeom prst="line">
+            <a:avLst/>
+          </a:prstGeom>
+          <a:solidFill>
+            <a:schemeClr val="bg1"/>
+          </a:solidFill>
+          <a:ln>
+            <a:solidFill>
+              <a:schemeClr val="tx1"/>
+            </a:solidFill>
+          </a:ln>
+        </p:spPr>
+        <p:style>
+          <a:lnRef idx="2">
+            <a:schemeClr val="accent1">
+              <a:shade val="50000"/>
+            </a:schemeClr>
+          </a:lnRef>
+          <a:fillRef idx="1">
+            <a:schemeClr val="accent1"/>
+          </a:fillRef>
+          <a:effectRef idx="0">
+            <a:schemeClr val="accent1"/>
+          </a:effectRef>
+          <a:fontRef idx="minor">
+            <a:schemeClr val="lt1"/>
+          </a:fontRef>
+        </p:style>
+      </p:cxnSp>
+      <p:sp>
+        <p:nvSpPr>
+          <p:cNvPr id="47" name="Parallélogramme 46"/>
+          <p:cNvSpPr/>
+          <p:nvPr/>
+        </p:nvSpPr>
+        <p:spPr>
+          <a:xfrm rot="16200000">
+            <a:off x="1831959" y="2438463"/>
+            <a:ext cx="295507" cy="174220"/>
+          </a:xfrm>
+          <a:prstGeom prst="parallelogram">
+            <a:avLst>
+              <a:gd name="adj" fmla="val 50986"/>
+            </a:avLst>
+          </a:prstGeom>
+          <a:solidFill>
+            <a:schemeClr val="bg1">
+              <a:lumMod val="75000"/>
+            </a:schemeClr>
+          </a:solidFill>
+          <a:ln>
+            <a:solidFill>
+              <a:schemeClr val="tx1"/>
+            </a:solidFill>
+          </a:ln>
+        </p:spPr>
+        <p:style>
+          <a:lnRef idx="2">
+            <a:schemeClr val="accent1">
+              <a:shade val="50000"/>
+            </a:schemeClr>
+          </a:lnRef>
+          <a:fillRef idx="1">
+            <a:schemeClr val="accent1"/>
+          </a:fillRef>
+          <a:effectRef idx="0">
+            <a:schemeClr val="accent1"/>
+          </a:effectRef>
+          <a:fontRef idx="minor">
+            <a:schemeClr val="lt1"/>
+          </a:fontRef>
+        </p:style>
+        <p:txBody>
+          <a:bodyPr rtlCol="0" anchor="ctr"/>
+          <a:lstStyle/>
+          <a:p>
+            <a:pPr algn="ctr"/>
+            <a:endParaRPr lang="fr-FR"/>
+          </a:p>
+        </p:txBody>
+      </p:sp>
+      <p:sp>
+        <p:nvSpPr>
+          <p:cNvPr id="48" name="Ellipse 47"/>
+          <p:cNvSpPr/>
+          <p:nvPr/>
+        </p:nvSpPr>
+        <p:spPr>
+          <a:xfrm>
+            <a:off x="1993627" y="2276601"/>
+            <a:ext cx="136282" cy="136282"/>
+          </a:xfrm>
+          <a:prstGeom prst="ellipse">
+            <a:avLst/>
+          </a:prstGeom>
+          <a:noFill/>
+          <a:ln w="12700">
+            <a:solidFill>
+              <a:schemeClr val="tx1"/>
+            </a:solidFill>
+          </a:ln>
+        </p:spPr>
+        <p:style>
+          <a:lnRef idx="2">
+            <a:schemeClr val="accent1">
+              <a:shade val="50000"/>
+            </a:schemeClr>
+          </a:lnRef>
+          <a:fillRef idx="1">
+            <a:schemeClr val="accent1"/>
+          </a:fillRef>
+          <a:effectRef idx="0">
+            <a:schemeClr val="accent1"/>
+          </a:effectRef>
+          <a:fontRef idx="minor">
+            <a:schemeClr val="lt1"/>
+          </a:fontRef>
+        </p:style>
+        <p:txBody>
+          <a:bodyPr lIns="0" tIns="0" rIns="0" bIns="0" rtlCol="0" anchor="ctr"/>
+          <a:lstStyle/>
+          <a:p>
+            <a:pPr algn="ctr"/>
+            <a:r>
+              <a:rPr lang="fr-FR" sz="1000" b="1" dirty="0" smtClean="0">
+                <a:solidFill>
+                  <a:schemeClr val="tx1"/>
+                </a:solidFill>
+              </a:rPr>
+              <a:t>0</a:t>
+            </a:r>
+            <a:endParaRPr lang="fr-FR" sz="1200" b="1" dirty="0">
+              <a:solidFill>
+                <a:schemeClr val="tx1"/>
+              </a:solidFill>
+            </a:endParaRPr>
+          </a:p>
+        </p:txBody>
+      </p:sp>
+      <p:sp>
+        <p:nvSpPr>
+          <p:cNvPr id="49" name="Ellipse 48"/>
+          <p:cNvSpPr/>
+          <p:nvPr/>
+        </p:nvSpPr>
+        <p:spPr>
+          <a:xfrm>
+            <a:off x="2692406" y="1984973"/>
+            <a:ext cx="136282" cy="136282"/>
+          </a:xfrm>
+          <a:prstGeom prst="ellipse">
+            <a:avLst/>
+          </a:prstGeom>
+          <a:noFill/>
+          <a:ln w="12700">
+            <a:solidFill>
+              <a:srgbClr val="7030A0"/>
+            </a:solidFill>
+          </a:ln>
+        </p:spPr>
+        <p:style>
+          <a:lnRef idx="2">
+            <a:schemeClr val="accent1">
+              <a:shade val="50000"/>
+            </a:schemeClr>
+          </a:lnRef>
+          <a:fillRef idx="1">
+            <a:schemeClr val="accent1"/>
+          </a:fillRef>
+          <a:effectRef idx="0">
+            <a:schemeClr val="accent1"/>
+          </a:effectRef>
+          <a:fontRef idx="minor">
+            <a:schemeClr val="lt1"/>
+          </a:fontRef>
+        </p:style>
+        <p:txBody>
+          <a:bodyPr lIns="0" tIns="0" rIns="0" bIns="0" rtlCol="0" anchor="ctr"/>
+          <a:lstStyle/>
+          <a:p>
+            <a:pPr algn="ctr"/>
+            <a:r>
+              <a:rPr lang="fr-FR" sz="1000" b="1" dirty="0" smtClean="0">
+                <a:solidFill>
+                  <a:srgbClr val="7030A0"/>
+                </a:solidFill>
+              </a:rPr>
+              <a:t>1</a:t>
+            </a:r>
+            <a:endParaRPr lang="fr-FR" sz="1200" b="1" dirty="0">
+              <a:solidFill>
+                <a:srgbClr val="7030A0"/>
+              </a:solidFill>
+            </a:endParaRPr>
+          </a:p>
+        </p:txBody>
+      </p:sp>
+      <p:sp>
+        <p:nvSpPr>
+          <p:cNvPr id="50" name="Ellipse 49"/>
+          <p:cNvSpPr/>
+          <p:nvPr/>
+        </p:nvSpPr>
+        <p:spPr>
+          <a:xfrm>
+            <a:off x="3402058" y="2014903"/>
+            <a:ext cx="136282" cy="136282"/>
+          </a:xfrm>
+          <a:prstGeom prst="ellipse">
+            <a:avLst/>
+          </a:prstGeom>
+          <a:noFill/>
+          <a:ln w="12700">
+            <a:solidFill>
+              <a:srgbClr val="00B050"/>
+            </a:solidFill>
+          </a:ln>
+        </p:spPr>
+        <p:style>
+          <a:lnRef idx="2">
+            <a:schemeClr val="accent1">
+              <a:shade val="50000"/>
+            </a:schemeClr>
+          </a:lnRef>
+          <a:fillRef idx="1">
+            <a:schemeClr val="accent1"/>
+          </a:fillRef>
+          <a:effectRef idx="0">
+            <a:schemeClr val="accent1"/>
+          </a:effectRef>
+          <a:fontRef idx="minor">
+            <a:schemeClr val="lt1"/>
+          </a:fontRef>
+        </p:style>
+        <p:txBody>
+          <a:bodyPr lIns="0" tIns="0" rIns="0" bIns="0" rtlCol="0" anchor="ctr"/>
+          <a:lstStyle/>
+          <a:p>
+            <a:pPr algn="ctr"/>
+            <a:r>
+              <a:rPr lang="fr-FR" sz="1000" b="1" dirty="0">
+                <a:solidFill>
+                  <a:srgbClr val="00B050"/>
+                </a:solidFill>
+              </a:rPr>
+              <a:t>2</a:t>
+            </a:r>
+            <a:endParaRPr lang="fr-FR" sz="1200" b="1" dirty="0">
+              <a:solidFill>
+                <a:srgbClr val="00B050"/>
+              </a:solidFill>
+            </a:endParaRPr>
+          </a:p>
+        </p:txBody>
+      </p:sp>
+      <mc:AlternateContent xmlns:mc="http://schemas.openxmlformats.org/markup-compatibility/2006" xmlns:a14="http://schemas.microsoft.com/office/drawing/2010/main">
+        <mc:Choice Requires="a14">
+          <p:sp>
+            <p:nvSpPr>
+              <p:cNvPr id="51" name="ZoneTexte 50"/>
+              <p:cNvSpPr txBox="1"/>
+              <p:nvPr/>
+            </p:nvSpPr>
+            <p:spPr>
+              <a:xfrm>
+                <a:off x="2465479" y="2239258"/>
+                <a:ext cx="316369" cy="261610"/>
+              </a:xfrm>
+              <a:prstGeom prst="rect">
+                <a:avLst/>
+              </a:prstGeom>
+              <a:noFill/>
+            </p:spPr>
+            <p:txBody>
+              <a:bodyPr wrap="none" rtlCol="0">
+                <a:spAutoFit/>
+              </a:bodyPr>
+              <a:lstStyle/>
+              <a:p>
+                <a:pPr/>
+                <a14:m>
+                  <m:oMathPara xmlns:m="http://schemas.openxmlformats.org/officeDocument/2006/math">
+                    <m:oMathParaPr>
+                      <m:jc m:val="centerGroup"/>
+                    </m:oMathParaPr>
+                    <m:oMath xmlns:m="http://schemas.openxmlformats.org/officeDocument/2006/math">
+                      <m:r>
+                        <a:rPr lang="fr-FR" sz="1100" b="0" i="1" smtClean="0">
+                          <a:latin typeface="Cambria Math"/>
+                        </a:rPr>
+                        <m:t>𝑂</m:t>
+                      </m:r>
+                    </m:oMath>
+                  </m:oMathPara>
+                </a14:m>
+                <a:endParaRPr lang="fr-FR" sz="1100" dirty="0"/>
+              </a:p>
+            </p:txBody>
+          </p:sp>
+        </mc:Choice>
+        <mc:Fallback xmlns="">
+          <p:sp>
+            <p:nvSpPr>
+              <p:cNvPr id="51" name="ZoneTexte 50"/>
+              <p:cNvSpPr txBox="1">
+                <a:spLocks noRot="1" noChangeAspect="1" noMove="1" noResize="1" noEditPoints="1" noAdjustHandles="1" noChangeArrowheads="1" noChangeShapeType="1" noTextEdit="1"/>
+              </p:cNvSpPr>
+              <p:nvPr/>
+            </p:nvSpPr>
+            <p:spPr>
+              <a:xfrm>
+                <a:off x="2465479" y="2239258"/>
+                <a:ext cx="316369" cy="261610"/>
+              </a:xfrm>
+              <a:prstGeom prst="rect">
+                <a:avLst/>
+              </a:prstGeom>
+              <a:blipFill rotWithShape="1">
+                <a:blip r:embed="rId2"/>
+                <a:stretch>
+                  <a:fillRect/>
+                </a:stretch>
+              </a:blipFill>
+            </p:spPr>
+            <p:txBody>
+              <a:bodyPr/>
+              <a:lstStyle/>
+              <a:p>
+                <a:r>
+                  <a:rPr lang="fr-FR">
+                    <a:noFill/>
+                  </a:rPr>
+                  <a:t> </a:t>
+                </a:r>
+              </a:p>
+            </p:txBody>
+          </p:sp>
+        </mc:Fallback>
+      </mc:AlternateContent>
+      <mc:AlternateContent xmlns:mc="http://schemas.openxmlformats.org/markup-compatibility/2006" xmlns:a14="http://schemas.microsoft.com/office/drawing/2010/main">
+        <mc:Choice Requires="a14">
+          <p:sp>
+            <p:nvSpPr>
+              <p:cNvPr id="52" name="ZoneTexte 51"/>
+              <p:cNvSpPr txBox="1"/>
+              <p:nvPr/>
+            </p:nvSpPr>
+            <p:spPr>
+              <a:xfrm>
+                <a:off x="2828688" y="2466996"/>
+                <a:ext cx="316369" cy="261610"/>
+              </a:xfrm>
+              <a:prstGeom prst="rect">
+                <a:avLst/>
+              </a:prstGeom>
+              <a:noFill/>
+            </p:spPr>
+            <p:txBody>
+              <a:bodyPr wrap="none" rtlCol="0">
+                <a:spAutoFit/>
+              </a:bodyPr>
+              <a:lstStyle/>
+              <a:p>
+                <a:pPr/>
+                <a14:m>
+                  <m:oMathPara xmlns:m="http://schemas.openxmlformats.org/officeDocument/2006/math">
+                    <m:oMathParaPr>
+                      <m:jc m:val="centerGroup"/>
+                    </m:oMathParaPr>
+                    <m:oMath xmlns:m="http://schemas.openxmlformats.org/officeDocument/2006/math">
+                      <m:r>
+                        <a:rPr lang="fr-FR" sz="1100" b="0" i="1" smtClean="0">
+                          <a:latin typeface="Cambria Math"/>
+                        </a:rPr>
+                        <m:t>𝐴</m:t>
+                      </m:r>
+                    </m:oMath>
+                  </m:oMathPara>
+                </a14:m>
+                <a:endParaRPr lang="fr-FR" sz="1100" dirty="0"/>
+              </a:p>
+            </p:txBody>
+          </p:sp>
+        </mc:Choice>
+        <mc:Fallback xmlns="">
+          <p:sp>
+            <p:nvSpPr>
+              <p:cNvPr id="52" name="ZoneTexte 51"/>
+              <p:cNvSpPr txBox="1">
+                <a:spLocks noRot="1" noChangeAspect="1" noMove="1" noResize="1" noEditPoints="1" noAdjustHandles="1" noChangeArrowheads="1" noChangeShapeType="1" noTextEdit="1"/>
+              </p:cNvSpPr>
+              <p:nvPr/>
+            </p:nvSpPr>
+            <p:spPr>
+              <a:xfrm>
+                <a:off x="2828688" y="2466996"/>
+                <a:ext cx="316369" cy="261610"/>
+              </a:xfrm>
+              <a:prstGeom prst="rect">
+                <a:avLst/>
+              </a:prstGeom>
+              <a:blipFill rotWithShape="1">
+                <a:blip r:embed="rId3"/>
+                <a:stretch>
+                  <a:fillRect/>
+                </a:stretch>
+              </a:blipFill>
+            </p:spPr>
+            <p:txBody>
+              <a:bodyPr/>
+              <a:lstStyle/>
+              <a:p>
+                <a:r>
+                  <a:rPr lang="fr-FR">
+                    <a:noFill/>
+                  </a:rPr>
+                  <a:t> </a:t>
+                </a:r>
+              </a:p>
+            </p:txBody>
+          </p:sp>
+        </mc:Fallback>
+      </mc:AlternateContent>
+      <mc:AlternateContent xmlns:mc="http://schemas.openxmlformats.org/markup-compatibility/2006" xmlns:a14="http://schemas.microsoft.com/office/drawing/2010/main">
+        <mc:Choice Requires="a14">
+          <p:sp>
+            <p:nvSpPr>
+              <p:cNvPr id="53" name="ZoneTexte 52"/>
+              <p:cNvSpPr txBox="1"/>
+              <p:nvPr/>
+            </p:nvSpPr>
+            <p:spPr>
+              <a:xfrm>
+                <a:off x="3653393" y="2052741"/>
+                <a:ext cx="313484" cy="261610"/>
+              </a:xfrm>
+              <a:prstGeom prst="rect">
+                <a:avLst/>
+              </a:prstGeom>
+              <a:noFill/>
+            </p:spPr>
+            <p:txBody>
+              <a:bodyPr wrap="none" rtlCol="0">
+                <a:spAutoFit/>
+              </a:bodyPr>
+              <a:lstStyle/>
+              <a:p>
+                <a:pPr/>
+                <a14:m>
+                  <m:oMathPara xmlns:m="http://schemas.openxmlformats.org/officeDocument/2006/math">
+                    <m:oMathParaPr>
+                      <m:jc m:val="centerGroup"/>
+                    </m:oMathParaPr>
+                    <m:oMath xmlns:m="http://schemas.openxmlformats.org/officeDocument/2006/math">
+                      <m:r>
+                        <a:rPr lang="fr-FR" sz="1100" b="0" i="1" smtClean="0">
+                          <a:latin typeface="Cambria Math"/>
+                        </a:rPr>
+                        <m:t>𝐵</m:t>
+                      </m:r>
+                    </m:oMath>
+                  </m:oMathPara>
+                </a14:m>
+                <a:endParaRPr lang="fr-FR" sz="1100" dirty="0"/>
+              </a:p>
+            </p:txBody>
+          </p:sp>
+        </mc:Choice>
+        <mc:Fallback xmlns="">
+          <p:sp>
+            <p:nvSpPr>
+              <p:cNvPr id="53" name="ZoneTexte 52"/>
+              <p:cNvSpPr txBox="1">
+                <a:spLocks noRot="1" noChangeAspect="1" noMove="1" noResize="1" noEditPoints="1" noAdjustHandles="1" noChangeArrowheads="1" noChangeShapeType="1" noTextEdit="1"/>
+              </p:cNvSpPr>
+              <p:nvPr/>
+            </p:nvSpPr>
+            <p:spPr>
+              <a:xfrm>
+                <a:off x="3653393" y="2052741"/>
+                <a:ext cx="313484" cy="261610"/>
+              </a:xfrm>
+              <a:prstGeom prst="rect">
+                <a:avLst/>
+              </a:prstGeom>
+              <a:blipFill rotWithShape="1">
+                <a:blip r:embed="rId4"/>
+                <a:stretch>
+                  <a:fillRect/>
+                </a:stretch>
+              </a:blipFill>
+            </p:spPr>
+            <p:txBody>
+              <a:bodyPr/>
+              <a:lstStyle/>
+              <a:p>
+                <a:r>
+                  <a:rPr lang="fr-FR">
+                    <a:noFill/>
+                  </a:rPr>
+                  <a:t> </a:t>
+                </a:r>
+              </a:p>
+            </p:txBody>
+          </p:sp>
+        </mc:Fallback>
+      </mc:AlternateContent>
+      <mc:AlternateContent xmlns:mc="http://schemas.openxmlformats.org/markup-compatibility/2006" xmlns:a14="http://schemas.microsoft.com/office/drawing/2010/main">
+        <mc:Choice Requires="a14">
+          <p:sp>
+            <p:nvSpPr>
+              <p:cNvPr id="54" name="ZoneTexte 53"/>
+              <p:cNvSpPr txBox="1"/>
+              <p:nvPr/>
+            </p:nvSpPr>
+            <p:spPr>
+              <a:xfrm>
+                <a:off x="1475656" y="2879358"/>
+                <a:ext cx="355867" cy="261610"/>
+              </a:xfrm>
+              <a:prstGeom prst="rect">
+                <a:avLst/>
+              </a:prstGeom>
+              <a:noFill/>
+            </p:spPr>
+            <p:txBody>
+              <a:bodyPr wrap="none" rtlCol="0">
+                <a:spAutoFit/>
+              </a:bodyPr>
+              <a:lstStyle/>
+              <a:p>
+                <a:pPr/>
+                <a14:m>
+                  <m:oMathPara xmlns:m="http://schemas.openxmlformats.org/officeDocument/2006/math">
+                    <m:oMathParaPr>
+                      <m:jc m:val="centerGroup"/>
+                    </m:oMathParaPr>
+                    <m:oMath xmlns:m="http://schemas.openxmlformats.org/officeDocument/2006/math">
+                      <m:acc>
+                        <m:accPr>
+                          <m:chr m:val="⃗"/>
+                          <m:ctrlPr>
+                            <a:rPr lang="fr-FR" sz="1100" b="0" i="1" smtClean="0">
+                              <a:latin typeface="Cambria Math"/>
+                            </a:rPr>
+                          </m:ctrlPr>
+                        </m:accPr>
+                        <m:e>
+                          <m:sSub>
+                            <m:sSubPr>
+                              <m:ctrlPr>
+                                <a:rPr lang="fr-FR" sz="1100" b="0" i="1" smtClean="0">
+                                  <a:latin typeface="Cambria Math"/>
+                                </a:rPr>
+                              </m:ctrlPr>
+                            </m:sSubPr>
+                            <m:e>
+                              <m:r>
+                                <a:rPr lang="fr-FR" sz="1100" b="0" i="1" smtClean="0">
+                                  <a:latin typeface="Cambria Math"/>
+                                </a:rPr>
+                                <m:t>𝑥</m:t>
+                              </m:r>
+                            </m:e>
+                            <m:sub>
+                              <m:r>
+                                <a:rPr lang="fr-FR" sz="1100" b="0" i="1" smtClean="0">
+                                  <a:latin typeface="Cambria Math"/>
+                                </a:rPr>
+                                <m:t>0</m:t>
+                              </m:r>
+                            </m:sub>
+                          </m:sSub>
+                        </m:e>
+                      </m:acc>
+                    </m:oMath>
+                  </m:oMathPara>
+                </a14:m>
+                <a:endParaRPr lang="fr-FR" sz="1100" dirty="0"/>
+              </a:p>
+            </p:txBody>
+          </p:sp>
+        </mc:Choice>
+        <mc:Fallback xmlns="">
+          <p:sp>
+            <p:nvSpPr>
+              <p:cNvPr id="54" name="ZoneTexte 53"/>
+              <p:cNvSpPr txBox="1">
+                <a:spLocks noRot="1" noChangeAspect="1" noMove="1" noResize="1" noEditPoints="1" noAdjustHandles="1" noChangeArrowheads="1" noChangeShapeType="1" noTextEdit="1"/>
+              </p:cNvSpPr>
+              <p:nvPr/>
+            </p:nvSpPr>
+            <p:spPr>
+              <a:xfrm>
+                <a:off x="1475656" y="2879358"/>
+                <a:ext cx="355867" cy="261610"/>
+              </a:xfrm>
+              <a:prstGeom prst="rect">
+                <a:avLst/>
+              </a:prstGeom>
+              <a:blipFill rotWithShape="1">
+                <a:blip r:embed="rId5"/>
+                <a:stretch>
+                  <a:fillRect/>
+                </a:stretch>
+              </a:blipFill>
+            </p:spPr>
+            <p:txBody>
+              <a:bodyPr/>
+              <a:lstStyle/>
+              <a:p>
+                <a:r>
+                  <a:rPr lang="fr-FR">
+                    <a:noFill/>
+                  </a:rPr>
+                  <a:t> </a:t>
+                </a:r>
+              </a:p>
+            </p:txBody>
+          </p:sp>
+        </mc:Fallback>
+      </mc:AlternateContent>
+      <mc:AlternateContent xmlns:mc="http://schemas.openxmlformats.org/markup-compatibility/2006" xmlns:a14="http://schemas.microsoft.com/office/drawing/2010/main">
+        <mc:Choice Requires="a14">
+          <p:sp>
+            <p:nvSpPr>
+              <p:cNvPr id="55" name="ZoneTexte 54"/>
+              <p:cNvSpPr txBox="1"/>
+              <p:nvPr/>
+            </p:nvSpPr>
+            <p:spPr>
+              <a:xfrm>
+                <a:off x="3045935" y="2960948"/>
+                <a:ext cx="356123" cy="261610"/>
+              </a:xfrm>
+              <a:prstGeom prst="rect">
+                <a:avLst/>
+              </a:prstGeom>
+              <a:noFill/>
+            </p:spPr>
+            <p:txBody>
+              <a:bodyPr wrap="none" rtlCol="0">
+                <a:spAutoFit/>
+              </a:bodyPr>
+              <a:lstStyle/>
+              <a:p>
+                <a:pPr/>
+                <a14:m>
+                  <m:oMathPara xmlns:m="http://schemas.openxmlformats.org/officeDocument/2006/math">
+                    <m:oMathParaPr>
+                      <m:jc m:val="centerGroup"/>
+                    </m:oMathParaPr>
+                    <m:oMath xmlns:m="http://schemas.openxmlformats.org/officeDocument/2006/math">
+                      <m:acc>
+                        <m:accPr>
+                          <m:chr m:val="⃗"/>
+                          <m:ctrlPr>
+                            <a:rPr lang="fr-FR" sz="1100" b="0" i="1" smtClean="0">
+                              <a:latin typeface="Cambria Math"/>
+                            </a:rPr>
+                          </m:ctrlPr>
+                        </m:accPr>
+                        <m:e>
+                          <m:sSub>
+                            <m:sSubPr>
+                              <m:ctrlPr>
+                                <a:rPr lang="fr-FR" sz="1100" b="0" i="1" smtClean="0">
+                                  <a:latin typeface="Cambria Math"/>
+                                </a:rPr>
+                              </m:ctrlPr>
+                            </m:sSubPr>
+                            <m:e>
+                              <m:r>
+                                <a:rPr lang="fr-FR" sz="1100" b="0" i="1" smtClean="0">
+                                  <a:latin typeface="Cambria Math"/>
+                                </a:rPr>
+                                <m:t>𝑦</m:t>
+                              </m:r>
+                            </m:e>
+                            <m:sub>
+                              <m:r>
+                                <a:rPr lang="fr-FR" sz="1100" b="0" i="1" smtClean="0">
+                                  <a:latin typeface="Cambria Math"/>
+                                </a:rPr>
+                                <m:t>0</m:t>
+                              </m:r>
+                            </m:sub>
+                          </m:sSub>
+                        </m:e>
+                      </m:acc>
+                    </m:oMath>
+                  </m:oMathPara>
+                </a14:m>
+                <a:endParaRPr lang="fr-FR" sz="1100" dirty="0"/>
+              </a:p>
+            </p:txBody>
+          </p:sp>
+        </mc:Choice>
+        <mc:Fallback xmlns="">
+          <p:sp>
+            <p:nvSpPr>
+              <p:cNvPr id="55" name="ZoneTexte 54"/>
+              <p:cNvSpPr txBox="1">
+                <a:spLocks noRot="1" noChangeAspect="1" noMove="1" noResize="1" noEditPoints="1" noAdjustHandles="1" noChangeArrowheads="1" noChangeShapeType="1" noTextEdit="1"/>
+              </p:cNvSpPr>
+              <p:nvPr/>
+            </p:nvSpPr>
+            <p:spPr>
+              <a:xfrm>
+                <a:off x="3045935" y="2960948"/>
+                <a:ext cx="356123" cy="261610"/>
+              </a:xfrm>
+              <a:prstGeom prst="rect">
+                <a:avLst/>
+              </a:prstGeom>
+              <a:blipFill rotWithShape="1">
+                <a:blip r:embed="rId6"/>
+                <a:stretch>
+                  <a:fillRect/>
+                </a:stretch>
+              </a:blipFill>
+            </p:spPr>
+            <p:txBody>
+              <a:bodyPr/>
+              <a:lstStyle/>
+              <a:p>
+                <a:r>
+                  <a:rPr lang="fr-FR">
+                    <a:noFill/>
+                  </a:rPr>
+                  <a:t> </a:t>
+                </a:r>
+              </a:p>
+            </p:txBody>
+          </p:sp>
+        </mc:Fallback>
+      </mc:AlternateContent>
+      <mc:AlternateContent xmlns:mc="http://schemas.openxmlformats.org/markup-compatibility/2006" xmlns:a14="http://schemas.microsoft.com/office/drawing/2010/main">
+        <mc:Choice Requires="a14">
+          <p:sp>
+            <p:nvSpPr>
+              <p:cNvPr id="56" name="ZoneTexte 55"/>
+              <p:cNvSpPr txBox="1"/>
+              <p:nvPr/>
+            </p:nvSpPr>
+            <p:spPr>
+              <a:xfrm>
+                <a:off x="2392225" y="1628800"/>
+                <a:ext cx="347338" cy="261610"/>
+              </a:xfrm>
+              <a:prstGeom prst="rect">
+                <a:avLst/>
+              </a:prstGeom>
+              <a:noFill/>
+            </p:spPr>
+            <p:txBody>
+              <a:bodyPr wrap="none" rtlCol="0">
+                <a:spAutoFit/>
+              </a:bodyPr>
+              <a:lstStyle/>
+              <a:p>
+                <a:pPr/>
+                <a14:m>
+                  <m:oMathPara xmlns:m="http://schemas.openxmlformats.org/officeDocument/2006/math">
+                    <m:oMathParaPr>
+                      <m:jc m:val="centerGroup"/>
+                    </m:oMathParaPr>
+                    <m:oMath xmlns:m="http://schemas.openxmlformats.org/officeDocument/2006/math">
+                      <m:acc>
+                        <m:accPr>
+                          <m:chr m:val="⃗"/>
+                          <m:ctrlPr>
+                            <a:rPr lang="fr-FR" sz="1100" b="0" i="1" smtClean="0">
+                              <a:latin typeface="Cambria Math"/>
+                            </a:rPr>
+                          </m:ctrlPr>
+                        </m:accPr>
+                        <m:e>
+                          <m:sSub>
+                            <m:sSubPr>
+                              <m:ctrlPr>
+                                <a:rPr lang="fr-FR" sz="1100" b="0" i="1" smtClean="0">
+                                  <a:latin typeface="Cambria Math"/>
+                                </a:rPr>
+                              </m:ctrlPr>
+                            </m:sSubPr>
+                            <m:e>
+                              <m:r>
+                                <a:rPr lang="fr-FR" sz="1100" b="0" i="1" smtClean="0">
+                                  <a:latin typeface="Cambria Math"/>
+                                </a:rPr>
+                                <m:t>𝑧</m:t>
+                              </m:r>
+                            </m:e>
+                            <m:sub>
+                              <m:r>
+                                <a:rPr lang="fr-FR" sz="1100" b="0" i="1" smtClean="0">
+                                  <a:latin typeface="Cambria Math"/>
+                                </a:rPr>
+                                <m:t>0</m:t>
+                              </m:r>
+                            </m:sub>
+                          </m:sSub>
+                        </m:e>
+                      </m:acc>
+                    </m:oMath>
+                  </m:oMathPara>
+                </a14:m>
+                <a:endParaRPr lang="fr-FR" sz="1100" dirty="0"/>
+              </a:p>
+            </p:txBody>
+          </p:sp>
+        </mc:Choice>
+        <mc:Fallback xmlns="">
+          <p:sp>
+            <p:nvSpPr>
+              <p:cNvPr id="56" name="ZoneTexte 55"/>
+              <p:cNvSpPr txBox="1">
+                <a:spLocks noRot="1" noChangeAspect="1" noMove="1" noResize="1" noEditPoints="1" noAdjustHandles="1" noChangeArrowheads="1" noChangeShapeType="1" noTextEdit="1"/>
+              </p:cNvSpPr>
+              <p:nvPr/>
+            </p:nvSpPr>
+            <p:spPr>
+              <a:xfrm>
+                <a:off x="2392225" y="1628800"/>
+                <a:ext cx="347338" cy="261610"/>
+              </a:xfrm>
+              <a:prstGeom prst="rect">
+                <a:avLst/>
+              </a:prstGeom>
+              <a:blipFill rotWithShape="1">
+                <a:blip r:embed="rId7"/>
+                <a:stretch>
+                  <a:fillRect/>
+                </a:stretch>
+              </a:blipFill>
+            </p:spPr>
+            <p:txBody>
+              <a:bodyPr/>
+              <a:lstStyle/>
+              <a:p>
+                <a:r>
+                  <a:rPr lang="fr-FR">
+                    <a:noFill/>
+                  </a:rPr>
+                  <a:t> </a:t>
+                </a:r>
+              </a:p>
+            </p:txBody>
+          </p:sp>
+        </mc:Fallback>
+      </mc:AlternateContent>
+      <p:cxnSp>
+        <p:nvCxnSpPr>
+          <p:cNvPr id="57" name="Connecteur droit 56"/>
+          <p:cNvCxnSpPr/>
+          <p:nvPr/>
+        </p:nvCxnSpPr>
+        <p:spPr>
+          <a:xfrm>
+            <a:off x="3405475" y="2582879"/>
+            <a:ext cx="275463" cy="180386"/>
+          </a:xfrm>
+          <a:prstGeom prst="line">
+            <a:avLst/>
+          </a:prstGeom>
+          <a:solidFill>
+            <a:schemeClr val="bg1"/>
+          </a:solidFill>
+          <a:ln w="12700">
+            <a:solidFill>
+              <a:srgbClr val="7030A0"/>
+            </a:solidFill>
+            <a:tailEnd type="stealth" w="med" len="lg"/>
+          </a:ln>
+        </p:spPr>
+        <p:style>
+          <a:lnRef idx="2">
+            <a:schemeClr val="accent1">
+              <a:shade val="50000"/>
+            </a:schemeClr>
+          </a:lnRef>
+          <a:fillRef idx="1">
+            <a:schemeClr val="accent1"/>
+          </a:fillRef>
+          <a:effectRef idx="0">
+            <a:schemeClr val="accent1"/>
+          </a:effectRef>
+          <a:fontRef idx="minor">
+            <a:schemeClr val="lt1"/>
+          </a:fontRef>
+        </p:style>
+      </p:cxnSp>
+      <mc:AlternateContent xmlns:mc="http://schemas.openxmlformats.org/markup-compatibility/2006" xmlns:a14="http://schemas.microsoft.com/office/drawing/2010/main">
+        <mc:Choice Requires="a14">
+          <p:sp>
+            <p:nvSpPr>
+              <p:cNvPr id="59" name="ZoneTexte 58"/>
+              <p:cNvSpPr txBox="1"/>
+              <p:nvPr/>
+            </p:nvSpPr>
+            <p:spPr>
+              <a:xfrm>
+                <a:off x="3563888" y="2519318"/>
+                <a:ext cx="352597" cy="261610"/>
+              </a:xfrm>
+              <a:prstGeom prst="rect">
+                <a:avLst/>
+              </a:prstGeom>
+              <a:noFill/>
+            </p:spPr>
+            <p:txBody>
+              <a:bodyPr wrap="none" rtlCol="0">
+                <a:spAutoFit/>
+              </a:bodyPr>
+              <a:lstStyle/>
+              <a:p>
+                <a:pPr/>
+                <a14:m>
+                  <m:oMathPara xmlns:m="http://schemas.openxmlformats.org/officeDocument/2006/math">
+                    <m:oMathParaPr>
+                      <m:jc m:val="centerGroup"/>
+                    </m:oMathParaPr>
+                    <m:oMath xmlns:m="http://schemas.openxmlformats.org/officeDocument/2006/math">
+                      <m:acc>
+                        <m:accPr>
+                          <m:chr m:val="⃗"/>
+                          <m:ctrlPr>
+                            <a:rPr lang="fr-FR" sz="1100" b="0" i="1" smtClean="0">
+                              <a:latin typeface="Cambria Math"/>
+                            </a:rPr>
+                          </m:ctrlPr>
+                        </m:accPr>
+                        <m:e>
+                          <m:sSub>
+                            <m:sSubPr>
+                              <m:ctrlPr>
+                                <a:rPr lang="fr-FR" sz="1100" b="0" i="1" smtClean="0">
+                                  <a:latin typeface="Cambria Math"/>
+                                </a:rPr>
+                              </m:ctrlPr>
+                            </m:sSubPr>
+                            <m:e>
+                              <m:r>
+                                <a:rPr lang="fr-FR" sz="1100" b="0" i="1" smtClean="0">
+                                  <a:latin typeface="Cambria Math"/>
+                                </a:rPr>
+                                <m:t>𝑥</m:t>
+                              </m:r>
+                            </m:e>
+                            <m:sub>
+                              <m:r>
+                                <a:rPr lang="fr-FR" sz="1100" b="0" i="1" smtClean="0">
+                                  <a:latin typeface="Cambria Math"/>
+                                </a:rPr>
+                                <m:t>1</m:t>
+                              </m:r>
+                            </m:sub>
+                          </m:sSub>
+                        </m:e>
+                      </m:acc>
+                    </m:oMath>
+                  </m:oMathPara>
+                </a14:m>
+                <a:endParaRPr lang="fr-FR" sz="1100" dirty="0"/>
+              </a:p>
+            </p:txBody>
+          </p:sp>
+        </mc:Choice>
+        <mc:Fallback xmlns="">
+          <p:sp>
+            <p:nvSpPr>
+              <p:cNvPr id="59" name="ZoneTexte 58"/>
+              <p:cNvSpPr txBox="1">
+                <a:spLocks noRot="1" noChangeAspect="1" noMove="1" noResize="1" noEditPoints="1" noAdjustHandles="1" noChangeArrowheads="1" noChangeShapeType="1" noTextEdit="1"/>
+              </p:cNvSpPr>
+              <p:nvPr/>
+            </p:nvSpPr>
+            <p:spPr>
+              <a:xfrm>
+                <a:off x="3563888" y="2519318"/>
+                <a:ext cx="352597" cy="261610"/>
+              </a:xfrm>
+              <a:prstGeom prst="rect">
+                <a:avLst/>
+              </a:prstGeom>
+              <a:blipFill rotWithShape="1">
+                <a:blip r:embed="rId8"/>
+                <a:stretch>
+                  <a:fillRect/>
+                </a:stretch>
+              </a:blipFill>
+            </p:spPr>
+            <p:txBody>
+              <a:bodyPr/>
+              <a:lstStyle/>
+              <a:p>
+                <a:r>
+                  <a:rPr lang="fr-FR">
+                    <a:noFill/>
+                  </a:rPr>
+                  <a:t> </a:t>
+                </a:r>
+              </a:p>
+            </p:txBody>
+          </p:sp>
+        </mc:Fallback>
+      </mc:AlternateContent>
+      <p:cxnSp>
+        <p:nvCxnSpPr>
+          <p:cNvPr id="60" name="Connecteur droit 59"/>
+          <p:cNvCxnSpPr/>
+          <p:nvPr/>
+        </p:nvCxnSpPr>
+        <p:spPr>
+          <a:xfrm flipV="1">
+            <a:off x="3805111" y="1839800"/>
+            <a:ext cx="412726" cy="207917"/>
+          </a:xfrm>
+          <a:prstGeom prst="line">
+            <a:avLst/>
+          </a:prstGeom>
+          <a:solidFill>
+            <a:schemeClr val="bg1"/>
+          </a:solidFill>
+          <a:ln w="12700">
+            <a:solidFill>
+              <a:srgbClr val="00B050"/>
+            </a:solidFill>
+            <a:tailEnd type="stealth" w="med" len="lg"/>
+          </a:ln>
+        </p:spPr>
+        <p:style>
+          <a:lnRef idx="2">
+            <a:schemeClr val="accent1">
+              <a:shade val="50000"/>
+            </a:schemeClr>
+          </a:lnRef>
+          <a:fillRef idx="1">
+            <a:schemeClr val="accent1"/>
+          </a:fillRef>
+          <a:effectRef idx="0">
+            <a:schemeClr val="accent1"/>
+          </a:effectRef>
+          <a:fontRef idx="minor">
+            <a:schemeClr val="lt1"/>
+          </a:fontRef>
+        </p:style>
+      </p:cxnSp>
+      <mc:AlternateContent xmlns:mc="http://schemas.openxmlformats.org/markup-compatibility/2006" xmlns:a14="http://schemas.microsoft.com/office/drawing/2010/main">
+        <mc:Choice Requires="a14">
+          <p:sp>
+            <p:nvSpPr>
+              <p:cNvPr id="67" name="ZoneTexte 66"/>
+              <p:cNvSpPr txBox="1"/>
+              <p:nvPr/>
+            </p:nvSpPr>
+            <p:spPr>
+              <a:xfrm>
+                <a:off x="3835287" y="1628802"/>
+                <a:ext cx="356123" cy="261610"/>
+              </a:xfrm>
+              <a:prstGeom prst="rect">
+                <a:avLst/>
+              </a:prstGeom>
+              <a:noFill/>
+            </p:spPr>
+            <p:txBody>
+              <a:bodyPr wrap="none" rtlCol="0">
+                <a:spAutoFit/>
+              </a:bodyPr>
+              <a:lstStyle/>
+              <a:p>
+                <a:pPr/>
+                <a14:m>
+                  <m:oMathPara xmlns:m="http://schemas.openxmlformats.org/officeDocument/2006/math">
+                    <m:oMathParaPr>
+                      <m:jc m:val="centerGroup"/>
+                    </m:oMathParaPr>
+                    <m:oMath xmlns:m="http://schemas.openxmlformats.org/officeDocument/2006/math">
+                      <m:acc>
+                        <m:accPr>
+                          <m:chr m:val="⃗"/>
+                          <m:ctrlPr>
+                            <a:rPr lang="fr-FR" sz="1100" b="0" i="1" smtClean="0">
+                              <a:latin typeface="Cambria Math"/>
+                            </a:rPr>
+                          </m:ctrlPr>
+                        </m:accPr>
+                        <m:e>
+                          <m:sSub>
+                            <m:sSubPr>
+                              <m:ctrlPr>
+                                <a:rPr lang="fr-FR" sz="1100" b="0" i="1" smtClean="0">
+                                  <a:latin typeface="Cambria Math"/>
+                                </a:rPr>
+                              </m:ctrlPr>
+                            </m:sSubPr>
+                            <m:e>
+                              <m:r>
+                                <a:rPr lang="fr-FR" sz="1100" b="0" i="1" smtClean="0">
+                                  <a:latin typeface="Cambria Math"/>
+                                </a:rPr>
+                                <m:t>𝑦</m:t>
+                              </m:r>
+                            </m:e>
+                            <m:sub>
+                              <m:r>
+                                <a:rPr lang="fr-FR" sz="1100" b="0" i="1" smtClean="0">
+                                  <a:latin typeface="Cambria Math"/>
+                                </a:rPr>
+                                <m:t>2</m:t>
+                              </m:r>
+                            </m:sub>
+                          </m:sSub>
+                        </m:e>
+                      </m:acc>
+                    </m:oMath>
+                  </m:oMathPara>
+                </a14:m>
+                <a:endParaRPr lang="fr-FR" sz="1100" dirty="0"/>
+              </a:p>
+            </p:txBody>
+          </p:sp>
+        </mc:Choice>
+        <mc:Fallback xmlns="">
+          <p:sp>
+            <p:nvSpPr>
+              <p:cNvPr id="67" name="ZoneTexte 66"/>
+              <p:cNvSpPr txBox="1">
+                <a:spLocks noRot="1" noChangeAspect="1" noMove="1" noResize="1" noEditPoints="1" noAdjustHandles="1" noChangeArrowheads="1" noChangeShapeType="1" noTextEdit="1"/>
+              </p:cNvSpPr>
+              <p:nvPr/>
+            </p:nvSpPr>
+            <p:spPr>
+              <a:xfrm>
+                <a:off x="3835287" y="1628802"/>
+                <a:ext cx="356123" cy="261610"/>
+              </a:xfrm>
+              <a:prstGeom prst="rect">
+                <a:avLst/>
+              </a:prstGeom>
+              <a:blipFill rotWithShape="1">
+                <a:blip r:embed="rId9"/>
+                <a:stretch>
+                  <a:fillRect/>
+                </a:stretch>
+              </a:blipFill>
+            </p:spPr>
+            <p:txBody>
+              <a:bodyPr/>
+              <a:lstStyle/>
+              <a:p>
+                <a:r>
+                  <a:rPr lang="fr-FR">
+                    <a:noFill/>
+                  </a:rPr>
+                  <a:t> </a:t>
+                </a:r>
+              </a:p>
+            </p:txBody>
+          </p:sp>
+        </mc:Fallback>
+      </mc:AlternateContent>
+      <p:sp>
+        <p:nvSpPr>
+          <p:cNvPr id="32" name="Parallélogramme 31"/>
+          <p:cNvSpPr/>
+          <p:nvPr/>
+        </p:nvSpPr>
+        <p:spPr>
+          <a:xfrm rot="16200000">
+            <a:off x="4824852" y="297825"/>
+            <a:ext cx="1546697" cy="1332322"/>
+          </a:xfrm>
+          <a:prstGeom prst="parallelogram">
+            <a:avLst>
+              <a:gd name="adj" fmla="val 50986"/>
+            </a:avLst>
+          </a:prstGeom>
+          <a:solidFill>
+            <a:schemeClr val="bg1"/>
+          </a:solidFill>
+          <a:ln>
+            <a:solidFill>
+              <a:schemeClr val="tx1"/>
+            </a:solidFill>
+          </a:ln>
+        </p:spPr>
+        <p:style>
+          <a:lnRef idx="2">
+            <a:schemeClr val="accent1">
+              <a:shade val="50000"/>
+            </a:schemeClr>
+          </a:lnRef>
+          <a:fillRef idx="1">
+            <a:schemeClr val="accent1"/>
+          </a:fillRef>
+          <a:effectRef idx="0">
+            <a:schemeClr val="accent1"/>
+          </a:effectRef>
+          <a:fontRef idx="minor">
+            <a:schemeClr val="lt1"/>
+          </a:fontRef>
+        </p:style>
+        <p:txBody>
+          <a:bodyPr rtlCol="0" anchor="ctr"/>
+          <a:lstStyle/>
+          <a:p>
+            <a:pPr algn="ctr"/>
+            <a:endParaRPr lang="fr-FR"/>
+          </a:p>
+        </p:txBody>
+      </p:sp>
+      <p:cxnSp>
+        <p:nvCxnSpPr>
+          <p:cNvPr id="3" name="Connecteur droit 2"/>
+          <p:cNvCxnSpPr/>
+          <p:nvPr/>
+        </p:nvCxnSpPr>
+        <p:spPr>
+          <a:xfrm>
+            <a:off x="5076056" y="404664"/>
+            <a:ext cx="1080120" cy="1152128"/>
+          </a:xfrm>
+          <a:prstGeom prst="line">
+            <a:avLst/>
+          </a:prstGeom>
+          <a:ln w="38100">
+            <a:solidFill>
+              <a:srgbClr val="FF0000"/>
+            </a:solidFill>
+            <a:headEnd type="diamond"/>
+            <a:tailEnd type="diamond"/>
+          </a:ln>
+        </p:spPr>
+        <p:style>
+          <a:lnRef idx="1">
+            <a:schemeClr val="accent1"/>
+          </a:lnRef>
+          <a:fillRef idx="0">
+            <a:schemeClr val="accent1"/>
+          </a:fillRef>
+          <a:effectRef idx="0">
+            <a:schemeClr val="accent1"/>
+          </a:effectRef>
+          <a:fontRef idx="minor">
+            <a:schemeClr val="tx1"/>
+          </a:fontRef>
+        </p:style>
+      </p:cxnSp>
+      <mc:AlternateContent xmlns:mc="http://schemas.openxmlformats.org/markup-compatibility/2006">
+        <mc:Choice xmlns:a14="http://schemas.microsoft.com/office/drawing/2010/main" Requires="a14">
+          <p:sp>
+            <p:nvSpPr>
+              <p:cNvPr id="35" name="ZoneTexte 34"/>
+              <p:cNvSpPr txBox="1"/>
+              <p:nvPr/>
+            </p:nvSpPr>
+            <p:spPr>
+              <a:xfrm>
+                <a:off x="4902791" y="470612"/>
+                <a:ext cx="307905" cy="261610"/>
+              </a:xfrm>
+              <a:prstGeom prst="rect">
+                <a:avLst/>
+              </a:prstGeom>
+              <a:noFill/>
+            </p:spPr>
+            <p:txBody>
+              <a:bodyPr wrap="none" rtlCol="0">
+                <a:spAutoFit/>
+              </a:bodyPr>
+              <a:lstStyle/>
+              <a:p>
+                <a:pPr/>
+                <a14:m>
+                  <m:oMathPara xmlns:m="http://schemas.openxmlformats.org/officeDocument/2006/math">
+                    <m:oMathParaPr>
+                      <m:jc m:val="centerGroup"/>
+                    </m:oMathParaPr>
+                    <m:oMath xmlns:m="http://schemas.openxmlformats.org/officeDocument/2006/math">
+                      <m:r>
+                        <a:rPr lang="fr-FR" sz="1100" b="0" i="1" smtClean="0">
+                          <a:latin typeface="Cambria Math"/>
+                        </a:rPr>
+                        <m:t>𝐶</m:t>
+                      </m:r>
+                    </m:oMath>
+                  </m:oMathPara>
+                </a14:m>
+                <a:endParaRPr lang="fr-FR" sz="1100" dirty="0"/>
+              </a:p>
+            </p:txBody>
+          </p:sp>
+        </mc:Choice>
+        <mc:Fallback>
+          <p:sp>
+            <p:nvSpPr>
+              <p:cNvPr id="35" name="ZoneTexte 34"/>
+              <p:cNvSpPr txBox="1">
+                <a:spLocks noRot="1" noChangeAspect="1" noMove="1" noResize="1" noEditPoints="1" noAdjustHandles="1" noChangeArrowheads="1" noChangeShapeType="1" noTextEdit="1"/>
+              </p:cNvSpPr>
+              <p:nvPr/>
+            </p:nvSpPr>
+            <p:spPr>
+              <a:xfrm>
+                <a:off x="4902791" y="470612"/>
+                <a:ext cx="307905" cy="261610"/>
+              </a:xfrm>
+              <a:prstGeom prst="rect">
+                <a:avLst/>
+              </a:prstGeom>
+              <a:blipFill rotWithShape="1">
+                <a:blip r:embed="rId10"/>
+                <a:stretch>
+                  <a:fillRect/>
+                </a:stretch>
+              </a:blipFill>
+            </p:spPr>
+            <p:txBody>
+              <a:bodyPr/>
+              <a:lstStyle/>
+              <a:p>
+                <a:r>
+                  <a:rPr lang="fr-FR">
+                    <a:noFill/>
+                  </a:rPr>
+                  <a:t> </a:t>
+                </a:r>
+              </a:p>
+            </p:txBody>
+          </p:sp>
+        </mc:Fallback>
+      </mc:AlternateContent>
+      <mc:AlternateContent xmlns:mc="http://schemas.openxmlformats.org/markup-compatibility/2006">
+        <mc:Choice xmlns:a14="http://schemas.microsoft.com/office/drawing/2010/main" Requires="a14">
+          <p:sp>
+            <p:nvSpPr>
+              <p:cNvPr id="36" name="ZoneTexte 35"/>
+              <p:cNvSpPr txBox="1"/>
+              <p:nvPr/>
+            </p:nvSpPr>
+            <p:spPr>
+              <a:xfrm>
+                <a:off x="5956457" y="1206586"/>
+                <a:ext cx="318612" cy="261610"/>
+              </a:xfrm>
+              <a:prstGeom prst="rect">
+                <a:avLst/>
+              </a:prstGeom>
+              <a:noFill/>
+            </p:spPr>
+            <p:txBody>
+              <a:bodyPr wrap="none" rtlCol="0">
+                <a:spAutoFit/>
+              </a:bodyPr>
+              <a:lstStyle/>
+              <a:p>
+                <a:pPr/>
+                <a14:m>
+                  <m:oMathPara xmlns:m="http://schemas.openxmlformats.org/officeDocument/2006/math">
+                    <m:oMathParaPr>
+                      <m:jc m:val="centerGroup"/>
+                    </m:oMathParaPr>
+                    <m:oMath xmlns:m="http://schemas.openxmlformats.org/officeDocument/2006/math">
+                      <m:r>
+                        <a:rPr lang="fr-FR" sz="1100" b="0" i="1" smtClean="0">
+                          <a:latin typeface="Cambria Math"/>
+                        </a:rPr>
+                        <m:t>𝐷</m:t>
+                      </m:r>
+                    </m:oMath>
+                  </m:oMathPara>
+                </a14:m>
+                <a:endParaRPr lang="fr-FR" sz="1100" dirty="0"/>
+              </a:p>
+            </p:txBody>
+          </p:sp>
+        </mc:Choice>
+        <mc:Fallback>
+          <p:sp>
+            <p:nvSpPr>
+              <p:cNvPr id="36" name="ZoneTexte 35"/>
+              <p:cNvSpPr txBox="1">
+                <a:spLocks noRot="1" noChangeAspect="1" noMove="1" noResize="1" noEditPoints="1" noAdjustHandles="1" noChangeArrowheads="1" noChangeShapeType="1" noTextEdit="1"/>
+              </p:cNvSpPr>
+              <p:nvPr/>
+            </p:nvSpPr>
+            <p:spPr>
+              <a:xfrm>
+                <a:off x="5956457" y="1206586"/>
+                <a:ext cx="318612" cy="261610"/>
+              </a:xfrm>
+              <a:prstGeom prst="rect">
+                <a:avLst/>
+              </a:prstGeom>
+              <a:blipFill rotWithShape="1">
+                <a:blip r:embed="rId11"/>
+                <a:stretch>
+                  <a:fillRect/>
+                </a:stretch>
+              </a:blipFill>
+            </p:spPr>
+            <p:txBody>
+              <a:bodyPr/>
+              <a:lstStyle/>
+              <a:p>
+                <a:r>
+                  <a:rPr lang="fr-FR">
+                    <a:noFill/>
+                  </a:rPr>
+                  <a:t> </a:t>
+                </a:r>
+              </a:p>
+            </p:txBody>
+          </p:sp>
+        </mc:Fallback>
+      </mc:AlternateContent>
+      <p:cxnSp>
+        <p:nvCxnSpPr>
+          <p:cNvPr id="37" name="Connecteur droit 36"/>
+          <p:cNvCxnSpPr/>
+          <p:nvPr/>
+        </p:nvCxnSpPr>
+        <p:spPr>
+          <a:xfrm flipV="1">
+            <a:off x="4225983" y="1073319"/>
+            <a:ext cx="1498145" cy="754714"/>
+          </a:xfrm>
+          <a:prstGeom prst="line">
+            <a:avLst/>
+          </a:prstGeom>
+          <a:solidFill>
+            <a:schemeClr val="bg1"/>
+          </a:solidFill>
+          <a:ln w="12700">
+            <a:solidFill>
+              <a:srgbClr val="00B050"/>
+            </a:solidFill>
+            <a:prstDash val="lgDashDot"/>
+            <a:tailEnd type="none" w="med" len="lg"/>
+          </a:ln>
+        </p:spPr>
+        <p:style>
+          <a:lnRef idx="2">
+            <a:schemeClr val="accent1">
+              <a:shade val="50000"/>
+            </a:schemeClr>
+          </a:lnRef>
+          <a:fillRef idx="1">
+            <a:schemeClr val="accent1"/>
+          </a:fillRef>
+          <a:effectRef idx="0">
+            <a:schemeClr val="accent1"/>
+          </a:effectRef>
+          <a:fontRef idx="minor">
+            <a:schemeClr val="lt1"/>
+          </a:fontRef>
+        </p:style>
+      </p:cxnSp>
+      <p:sp>
+        <p:nvSpPr>
+          <p:cNvPr id="9" name="Ellipse 8"/>
+          <p:cNvSpPr/>
+          <p:nvPr/>
+        </p:nvSpPr>
+        <p:spPr>
+          <a:xfrm>
+            <a:off x="5661814" y="1037746"/>
+            <a:ext cx="75111" cy="71145"/>
+          </a:xfrm>
+          <a:prstGeom prst="ellipse">
+            <a:avLst/>
+          </a:prstGeom>
+          <a:solidFill>
+            <a:srgbClr val="FF0000"/>
+          </a:solidFill>
+          <a:ln>
+            <a:solidFill>
+              <a:srgbClr val="FF0000"/>
+            </a:solidFill>
+          </a:ln>
+        </p:spPr>
+        <p:style>
+          <a:lnRef idx="2">
+            <a:schemeClr val="accent1">
+              <a:shade val="50000"/>
+            </a:schemeClr>
+          </a:lnRef>
+          <a:fillRef idx="1">
+            <a:schemeClr val="accent1"/>
+          </a:fillRef>
+          <a:effectRef idx="0">
+            <a:schemeClr val="accent1"/>
+          </a:effectRef>
+          <a:fontRef idx="minor">
+            <a:schemeClr val="lt1"/>
+          </a:fontRef>
+        </p:style>
+        <p:txBody>
+          <a:bodyPr rtlCol="0" anchor="ctr"/>
+          <a:lstStyle/>
+          <a:p>
+            <a:pPr algn="ctr"/>
+            <a:endParaRPr lang="fr-FR"/>
+          </a:p>
+        </p:txBody>
+      </p:sp>
+      <mc:AlternateContent xmlns:mc="http://schemas.openxmlformats.org/markup-compatibility/2006">
+        <mc:Choice xmlns:a14="http://schemas.microsoft.com/office/drawing/2010/main" Requires="a14">
+          <p:sp>
+            <p:nvSpPr>
+              <p:cNvPr id="40" name="ZoneTexte 39"/>
+              <p:cNvSpPr txBox="1"/>
+              <p:nvPr/>
+            </p:nvSpPr>
+            <p:spPr>
+              <a:xfrm>
+                <a:off x="5652120" y="836712"/>
+                <a:ext cx="308354" cy="261610"/>
+              </a:xfrm>
+              <a:prstGeom prst="rect">
+                <a:avLst/>
+              </a:prstGeom>
+              <a:noFill/>
+            </p:spPr>
+            <p:txBody>
+              <a:bodyPr wrap="none" rtlCol="0">
+                <a:spAutoFit/>
+              </a:bodyPr>
+              <a:lstStyle/>
+              <a:p>
+                <a:pPr/>
+                <a14:m>
+                  <m:oMathPara xmlns:m="http://schemas.openxmlformats.org/officeDocument/2006/math">
+                    <m:oMathParaPr>
+                      <m:jc m:val="centerGroup"/>
+                    </m:oMathParaPr>
+                    <m:oMath xmlns:m="http://schemas.openxmlformats.org/officeDocument/2006/math">
+                      <m:r>
+                        <a:rPr lang="fr-FR" sz="1100" b="0" i="1" smtClean="0">
+                          <a:latin typeface="Cambria Math"/>
+                        </a:rPr>
+                        <m:t>𝑃</m:t>
+                      </m:r>
+                    </m:oMath>
+                  </m:oMathPara>
+                </a14:m>
+                <a:endParaRPr lang="fr-FR" sz="1100" dirty="0"/>
+              </a:p>
+            </p:txBody>
+          </p:sp>
+        </mc:Choice>
+        <mc:Fallback>
+          <p:sp>
+            <p:nvSpPr>
+              <p:cNvPr id="40" name="ZoneTexte 39"/>
+              <p:cNvSpPr txBox="1">
+                <a:spLocks noRot="1" noChangeAspect="1" noMove="1" noResize="1" noEditPoints="1" noAdjustHandles="1" noChangeArrowheads="1" noChangeShapeType="1" noTextEdit="1"/>
+              </p:cNvSpPr>
+              <p:nvPr/>
+            </p:nvSpPr>
+            <p:spPr>
+              <a:xfrm>
+                <a:off x="5652120" y="836712"/>
+                <a:ext cx="308354" cy="261610"/>
+              </a:xfrm>
+              <a:prstGeom prst="rect">
+                <a:avLst/>
+              </a:prstGeom>
+              <a:blipFill rotWithShape="1">
+                <a:blip r:embed="rId12"/>
+                <a:stretch>
+                  <a:fillRect/>
+                </a:stretch>
+              </a:blipFill>
+            </p:spPr>
+            <p:txBody>
+              <a:bodyPr/>
+              <a:lstStyle/>
+              <a:p>
+                <a:r>
+                  <a:rPr lang="fr-FR">
+                    <a:noFill/>
+                  </a:rPr>
+                  <a:t> </a:t>
+                </a:r>
+              </a:p>
+            </p:txBody>
+          </p:sp>
+        </mc:Fallback>
+      </mc:AlternateContent>
+    </p:spTree>
+    <p:extLst>
+      <p:ext uri="{BB962C8B-B14F-4D97-AF65-F5344CB8AC3E}">
+        <p14:creationId xmlns:p14="http://schemas.microsoft.com/office/powerpoint/2010/main" val="878391781"/>
+      </p:ext>
+    </p:extLst>
+  </p:cSld>
+  <p:clrMapOvr>
+    <a:masterClrMapping/>
+  </p:clrMapOvr>
+</p:sld>
+</file>
+
+<file path=ppt/slides/slide3.xml><?xml version="1.0" encoding="utf-8"?>
+<p:sld xmlns:a="http://schemas.openxmlformats.org/drawingml/2006/main" xmlns:r="http://schemas.openxmlformats.org/officeDocument/2006/relationships" xmlns:p="http://schemas.openxmlformats.org/presentationml/2006/main">
+  <p:cSld>
+    <p:spTree>
+      <p:nvGrpSpPr>
+        <p:cNvPr id="1" name=""/>
+        <p:cNvGrpSpPr/>
+        <p:nvPr/>
+      </p:nvGrpSpPr>
+      <p:grpSpPr>
+        <a:xfrm>
+          <a:off x="0" y="0"/>
+          <a:ext cx="0" cy="0"/>
+          <a:chOff x="0" y="0"/>
+          <a:chExt cx="0" cy="0"/>
+        </a:xfrm>
+      </p:grpSpPr>
       <p:grpSp>
         <p:nvGrpSpPr>
           <p:cNvPr id="23" name="Groupe 22"/>
@@ -4834,8 +7066,8 @@
             <a:chExt cx="1580006" cy="1546433"/>
           </a:xfrm>
         </p:grpSpPr>
-        <mc:AlternateContent xmlns:mc="http://schemas.openxmlformats.org/markup-compatibility/2006">
-          <mc:Choice xmlns:a14="http://schemas.microsoft.com/office/drawing/2010/main" Requires="a14">
+        <mc:AlternateContent xmlns:mc="http://schemas.openxmlformats.org/markup-compatibility/2006" xmlns:a14="http://schemas.microsoft.com/office/drawing/2010/main">
+          <mc:Choice Requires="a14">
             <p:sp>
               <p:nvSpPr>
                 <p:cNvPr id="6" name="ZoneTexte 5"/>
@@ -4858,6 +7090,7 @@
                 </a:bodyPr>
                 <a:lstStyle/>
                 <a:p>
+                  <a:pPr/>
                   <a14:m>
                     <m:oMathPara xmlns:m="http://schemas.openxmlformats.org/officeDocument/2006/math">
                       <m:oMathParaPr>
@@ -4909,7 +7142,7 @@
               </p:txBody>
             </p:sp>
           </mc:Choice>
-          <mc:Fallback>
+          <mc:Fallback xmlns="">
             <p:sp>
               <p:nvSpPr>
                 <p:cNvPr id="6" name="ZoneTexte 5"/>
@@ -4948,8 +7181,8 @@
             </p:sp>
           </mc:Fallback>
         </mc:AlternateContent>
-        <mc:AlternateContent xmlns:mc="http://schemas.openxmlformats.org/markup-compatibility/2006">
-          <mc:Choice xmlns:a14="http://schemas.microsoft.com/office/drawing/2010/main" Requires="a14">
+        <mc:AlternateContent xmlns:mc="http://schemas.openxmlformats.org/markup-compatibility/2006" xmlns:a14="http://schemas.microsoft.com/office/drawing/2010/main">
+          <mc:Choice Requires="a14">
             <p:sp>
               <p:nvSpPr>
                 <p:cNvPr id="8" name="ZoneTexte 7"/>
@@ -4972,6 +7205,7 @@
                 </a:bodyPr>
                 <a:lstStyle/>
                 <a:p>
+                  <a:pPr/>
                   <a14:m>
                     <m:oMathPara xmlns:m="http://schemas.openxmlformats.org/officeDocument/2006/math">
                       <m:oMathParaPr>
@@ -5066,7 +7300,7 @@
               </p:txBody>
             </p:sp>
           </mc:Choice>
-          <mc:Fallback>
+          <mc:Fallback xmlns="">
             <p:sp>
               <p:nvSpPr>
                 <p:cNvPr id="8" name="ZoneTexte 7"/>
@@ -5105,8 +7339,8 @@
             </p:sp>
           </mc:Fallback>
         </mc:AlternateContent>
-        <mc:AlternateContent xmlns:mc="http://schemas.openxmlformats.org/markup-compatibility/2006">
-          <mc:Choice xmlns:a14="http://schemas.microsoft.com/office/drawing/2010/main" Requires="a14">
+        <mc:AlternateContent xmlns:mc="http://schemas.openxmlformats.org/markup-compatibility/2006" xmlns:a14="http://schemas.microsoft.com/office/drawing/2010/main">
+          <mc:Choice Requires="a14">
             <p:sp>
               <p:nvSpPr>
                 <p:cNvPr id="12" name="ZoneTexte 11"/>
@@ -5129,6 +7363,7 @@
                 </a:bodyPr>
                 <a:lstStyle/>
                 <a:p>
+                  <a:pPr/>
                   <a14:m>
                     <m:oMathPara xmlns:m="http://schemas.openxmlformats.org/officeDocument/2006/math">
                       <m:oMathParaPr>
@@ -5149,7 +7384,7 @@
               </p:txBody>
             </p:sp>
           </mc:Choice>
-          <mc:Fallback>
+          <mc:Fallback xmlns="">
             <p:sp>
               <p:nvSpPr>
                 <p:cNvPr id="12" name="ZoneTexte 11"/>
@@ -5362,8 +7597,8 @@
             </p:style>
           </p:cxnSp>
         </p:grpSp>
-        <mc:AlternateContent xmlns:mc="http://schemas.openxmlformats.org/markup-compatibility/2006">
-          <mc:Choice xmlns:a14="http://schemas.microsoft.com/office/drawing/2010/main" Requires="a14">
+        <mc:AlternateContent xmlns:mc="http://schemas.openxmlformats.org/markup-compatibility/2006" xmlns:a14="http://schemas.microsoft.com/office/drawing/2010/main">
+          <mc:Choice Requires="a14">
             <p:sp>
               <p:nvSpPr>
                 <p:cNvPr id="19" name="ZoneTexte 18"/>
@@ -5386,6 +7621,7 @@
                 </a:bodyPr>
                 <a:lstStyle/>
                 <a:p>
+                  <a:pPr/>
                   <a14:m>
                     <m:oMathPara xmlns:m="http://schemas.openxmlformats.org/officeDocument/2006/math">
                       <m:oMathParaPr>
@@ -5437,7 +7673,7 @@
               </p:txBody>
             </p:sp>
           </mc:Choice>
-          <mc:Fallback>
+          <mc:Fallback xmlns="">
             <p:sp>
               <p:nvSpPr>
                 <p:cNvPr id="19" name="ZoneTexte 18"/>
@@ -5476,8 +7712,8 @@
             </p:sp>
           </mc:Fallback>
         </mc:AlternateContent>
-        <mc:AlternateContent xmlns:mc="http://schemas.openxmlformats.org/markup-compatibility/2006">
-          <mc:Choice xmlns:a14="http://schemas.microsoft.com/office/drawing/2010/main" Requires="a14">
+        <mc:AlternateContent xmlns:mc="http://schemas.openxmlformats.org/markup-compatibility/2006" xmlns:a14="http://schemas.microsoft.com/office/drawing/2010/main">
+          <mc:Choice Requires="a14">
             <p:sp>
               <p:nvSpPr>
                 <p:cNvPr id="20" name="ZoneTexte 19"/>
@@ -5500,6 +7736,7 @@
                 </a:bodyPr>
                 <a:lstStyle/>
                 <a:p>
+                  <a:pPr/>
                   <a14:m>
                     <m:oMathPara xmlns:m="http://schemas.openxmlformats.org/officeDocument/2006/math">
                       <m:oMathParaPr>
@@ -5551,7 +7788,7 @@
               </p:txBody>
             </p:sp>
           </mc:Choice>
-          <mc:Fallback>
+          <mc:Fallback xmlns="">
             <p:sp>
               <p:nvSpPr>
                 <p:cNvPr id="20" name="ZoneTexte 19"/>
@@ -5590,8 +7827,8 @@
             </p:sp>
           </mc:Fallback>
         </mc:AlternateContent>
-        <mc:AlternateContent xmlns:mc="http://schemas.openxmlformats.org/markup-compatibility/2006">
-          <mc:Choice xmlns:a14="http://schemas.microsoft.com/office/drawing/2010/main" Requires="a14">
+        <mc:AlternateContent xmlns:mc="http://schemas.openxmlformats.org/markup-compatibility/2006" xmlns:a14="http://schemas.microsoft.com/office/drawing/2010/main">
+          <mc:Choice Requires="a14">
             <p:sp>
               <p:nvSpPr>
                 <p:cNvPr id="21" name="ZoneTexte 20"/>
@@ -5614,6 +7851,7 @@
                 </a:bodyPr>
                 <a:lstStyle/>
                 <a:p>
+                  <a:pPr/>
                   <a14:m>
                     <m:oMathPara xmlns:m="http://schemas.openxmlformats.org/officeDocument/2006/math">
                       <m:oMathParaPr>
@@ -5665,7 +7903,7 @@
               </p:txBody>
             </p:sp>
           </mc:Choice>
-          <mc:Fallback>
+          <mc:Fallback xmlns="">
             <p:sp>
               <p:nvSpPr>
                 <p:cNvPr id="21" name="ZoneTexte 20"/>
@@ -5764,8 +8002,8 @@
             <a:chExt cx="1580261" cy="1546433"/>
           </a:xfrm>
         </p:grpSpPr>
-        <mc:AlternateContent xmlns:mc="http://schemas.openxmlformats.org/markup-compatibility/2006">
-          <mc:Choice xmlns:a14="http://schemas.microsoft.com/office/drawing/2010/main" Requires="a14">
+        <mc:AlternateContent xmlns:mc="http://schemas.openxmlformats.org/markup-compatibility/2006" xmlns:a14="http://schemas.microsoft.com/office/drawing/2010/main">
+          <mc:Choice Requires="a14">
             <p:sp>
               <p:nvSpPr>
                 <p:cNvPr id="25" name="ZoneTexte 24"/>
@@ -5788,6 +8026,7 @@
                 </a:bodyPr>
                 <a:lstStyle/>
                 <a:p>
+                  <a:pPr/>
                   <a14:m>
                     <m:oMathPara xmlns:m="http://schemas.openxmlformats.org/officeDocument/2006/math">
                       <m:oMathParaPr>
@@ -5839,7 +8078,7 @@
               </p:txBody>
             </p:sp>
           </mc:Choice>
-          <mc:Fallback>
+          <mc:Fallback xmlns="">
             <p:sp>
               <p:nvSpPr>
                 <p:cNvPr id="25" name="ZoneTexte 24"/>
@@ -5878,8 +8117,8 @@
             </p:sp>
           </mc:Fallback>
         </mc:AlternateContent>
-        <mc:AlternateContent xmlns:mc="http://schemas.openxmlformats.org/markup-compatibility/2006">
-          <mc:Choice xmlns:a14="http://schemas.microsoft.com/office/drawing/2010/main" Requires="a14">
+        <mc:AlternateContent xmlns:mc="http://schemas.openxmlformats.org/markup-compatibility/2006" xmlns:a14="http://schemas.microsoft.com/office/drawing/2010/main">
+          <mc:Choice Requires="a14">
             <p:sp>
               <p:nvSpPr>
                 <p:cNvPr id="26" name="ZoneTexte 25"/>
@@ -5902,6 +8141,7 @@
                 </a:bodyPr>
                 <a:lstStyle/>
                 <a:p>
+                  <a:pPr/>
                   <a14:m>
                     <m:oMathPara xmlns:m="http://schemas.openxmlformats.org/officeDocument/2006/math">
                       <m:oMathParaPr>
@@ -5996,7 +8236,7 @@
               </p:txBody>
             </p:sp>
           </mc:Choice>
-          <mc:Fallback>
+          <mc:Fallback xmlns="">
             <p:sp>
               <p:nvSpPr>
                 <p:cNvPr id="26" name="ZoneTexte 25"/>
@@ -6035,8 +8275,8 @@
             </p:sp>
           </mc:Fallback>
         </mc:AlternateContent>
-        <mc:AlternateContent xmlns:mc="http://schemas.openxmlformats.org/markup-compatibility/2006">
-          <mc:Choice xmlns:a14="http://schemas.microsoft.com/office/drawing/2010/main" Requires="a14">
+        <mc:AlternateContent xmlns:mc="http://schemas.openxmlformats.org/markup-compatibility/2006" xmlns:a14="http://schemas.microsoft.com/office/drawing/2010/main">
+          <mc:Choice Requires="a14">
             <p:sp>
               <p:nvSpPr>
                 <p:cNvPr id="27" name="ZoneTexte 26"/>
@@ -6059,6 +8299,7 @@
                 </a:bodyPr>
                 <a:lstStyle/>
                 <a:p>
+                  <a:pPr/>
                   <a14:m>
                     <m:oMathPara xmlns:m="http://schemas.openxmlformats.org/officeDocument/2006/math">
                       <m:oMathParaPr>
@@ -6079,7 +8320,7 @@
               </p:txBody>
             </p:sp>
           </mc:Choice>
-          <mc:Fallback>
+          <mc:Fallback xmlns="">
             <p:sp>
               <p:nvSpPr>
                 <p:cNvPr id="27" name="ZoneTexte 26"/>
@@ -6292,8 +8533,8 @@
             </p:style>
           </p:cxnSp>
         </p:grpSp>
-        <mc:AlternateContent xmlns:mc="http://schemas.openxmlformats.org/markup-compatibility/2006">
-          <mc:Choice xmlns:a14="http://schemas.microsoft.com/office/drawing/2010/main" Requires="a14">
+        <mc:AlternateContent xmlns:mc="http://schemas.openxmlformats.org/markup-compatibility/2006" xmlns:a14="http://schemas.microsoft.com/office/drawing/2010/main">
+          <mc:Choice Requires="a14">
             <p:sp>
               <p:nvSpPr>
                 <p:cNvPr id="30" name="ZoneTexte 29"/>
@@ -6316,6 +8557,7 @@
                 </a:bodyPr>
                 <a:lstStyle/>
                 <a:p>
+                  <a:pPr/>
                   <a14:m>
                     <m:oMathPara xmlns:m="http://schemas.openxmlformats.org/officeDocument/2006/math">
                       <m:oMathParaPr>
@@ -6367,7 +8609,7 @@
               </p:txBody>
             </p:sp>
           </mc:Choice>
-          <mc:Fallback>
+          <mc:Fallback xmlns="">
             <p:sp>
               <p:nvSpPr>
                 <p:cNvPr id="30" name="ZoneTexte 29"/>
@@ -6406,8 +8648,8 @@
             </p:sp>
           </mc:Fallback>
         </mc:AlternateContent>
-        <mc:AlternateContent xmlns:mc="http://schemas.openxmlformats.org/markup-compatibility/2006">
-          <mc:Choice xmlns:a14="http://schemas.microsoft.com/office/drawing/2010/main" Requires="a14">
+        <mc:AlternateContent xmlns:mc="http://schemas.openxmlformats.org/markup-compatibility/2006" xmlns:a14="http://schemas.microsoft.com/office/drawing/2010/main">
+          <mc:Choice Requires="a14">
             <p:sp>
               <p:nvSpPr>
                 <p:cNvPr id="31" name="ZoneTexte 30"/>
@@ -6430,6 +8672,7 @@
                 </a:bodyPr>
                 <a:lstStyle/>
                 <a:p>
+                  <a:pPr/>
                   <a14:m>
                     <m:oMathPara xmlns:m="http://schemas.openxmlformats.org/officeDocument/2006/math">
                       <m:oMathParaPr>
@@ -6481,7 +8724,7 @@
               </p:txBody>
             </p:sp>
           </mc:Choice>
-          <mc:Fallback>
+          <mc:Fallback xmlns="">
             <p:sp>
               <p:nvSpPr>
                 <p:cNvPr id="31" name="ZoneTexte 30"/>
@@ -6520,8 +8763,8 @@
             </p:sp>
           </mc:Fallback>
         </mc:AlternateContent>
-        <mc:AlternateContent xmlns:mc="http://schemas.openxmlformats.org/markup-compatibility/2006">
-          <mc:Choice xmlns:a14="http://schemas.microsoft.com/office/drawing/2010/main" Requires="a14">
+        <mc:AlternateContent xmlns:mc="http://schemas.openxmlformats.org/markup-compatibility/2006" xmlns:a14="http://schemas.microsoft.com/office/drawing/2010/main">
+          <mc:Choice Requires="a14">
             <p:sp>
               <p:nvSpPr>
                 <p:cNvPr id="32" name="ZoneTexte 31"/>
@@ -6544,6 +8787,7 @@
                 </a:bodyPr>
                 <a:lstStyle/>
                 <a:p>
+                  <a:pPr/>
                   <a14:m>
                     <m:oMathPara xmlns:m="http://schemas.openxmlformats.org/officeDocument/2006/math">
                       <m:oMathParaPr>
@@ -6595,7 +8839,7 @@
               </p:txBody>
             </p:sp>
           </mc:Choice>
-          <mc:Fallback>
+          <mc:Fallback xmlns="">
             <p:sp>
               <p:nvSpPr>
                 <p:cNvPr id="32" name="ZoneTexte 31"/>
@@ -6684,6 +8928,276 @@
     <p:extLst>
       <p:ext uri="{BB962C8B-B14F-4D97-AF65-F5344CB8AC3E}">
         <p14:creationId xmlns:p14="http://schemas.microsoft.com/office/powerpoint/2010/main" val="36101614"/>
+      </p:ext>
+    </p:extLst>
+  </p:cSld>
+  <p:clrMapOvr>
+    <a:masterClrMapping/>
+  </p:clrMapOvr>
+</p:sld>
+</file>
+
+<file path=ppt/slides/slide4.xml><?xml version="1.0" encoding="utf-8"?>
+<p:sld xmlns:a="http://schemas.openxmlformats.org/drawingml/2006/main" xmlns:r="http://schemas.openxmlformats.org/officeDocument/2006/relationships" xmlns:p="http://schemas.openxmlformats.org/presentationml/2006/main">
+  <p:cSld>
+    <p:spTree>
+      <p:nvGrpSpPr>
+        <p:cNvPr id="1" name=""/>
+        <p:cNvGrpSpPr/>
+        <p:nvPr/>
+      </p:nvGrpSpPr>
+      <p:grpSpPr>
+        <a:xfrm>
+          <a:off x="0" y="0"/>
+          <a:ext cx="0" cy="0"/>
+          <a:chOff x="0" y="0"/>
+          <a:chExt cx="0" cy="0"/>
+        </a:xfrm>
+      </p:grpSpPr>
+      <p:pic>
+        <p:nvPicPr>
+          <p:cNvPr id="1026" name="Picture 2" descr="http://www.science-et-vie.com/wp-content/uploads/2012/08/Galaxie_NGC_1187_ESO.jpg"/>
+          <p:cNvPicPr>
+            <a:picLocks noChangeAspect="1" noChangeArrowheads="1"/>
+          </p:cNvPicPr>
+          <p:nvPr/>
+        </p:nvPicPr>
+        <p:blipFill rotWithShape="1">
+          <a:blip r:embed="rId2">
+            <a:extLst>
+              <a:ext uri="{28A0092B-C50C-407E-A947-70E740481C1C}">
+                <a14:useLocalDpi xmlns:a14="http://schemas.microsoft.com/office/drawing/2010/main" val="0"/>
+              </a:ext>
+            </a:extLst>
+          </a:blip>
+          <a:srcRect t="6435" b="7213"/>
+          <a:stretch/>
+        </p:blipFill>
+        <p:spPr bwMode="auto">
+          <a:xfrm>
+            <a:off x="923925" y="1316181"/>
+            <a:ext cx="7200000" cy="3602183"/>
+          </a:xfrm>
+          <a:prstGeom prst="rect">
+            <a:avLst/>
+          </a:prstGeom>
+          <a:noFill/>
+          <a:extLst>
+            <a:ext uri="{909E8E84-426E-40DD-AFC4-6F175D3DCCD1}">
+              <a14:hiddenFill xmlns:a14="http://schemas.microsoft.com/office/drawing/2010/main">
+                <a:solidFill>
+                  <a:srgbClr val="FFFFFF"/>
+                </a:solidFill>
+              </a14:hiddenFill>
+            </a:ext>
+          </a:extLst>
+        </p:spPr>
+      </p:pic>
+      <p:sp>
+        <p:nvSpPr>
+          <p:cNvPr id="5" name="ZoneTexte 4"/>
+          <p:cNvSpPr txBox="1"/>
+          <p:nvPr/>
+        </p:nvSpPr>
+        <p:spPr>
+          <a:xfrm rot="16200000">
+            <a:off x="-462954" y="3131373"/>
+            <a:ext cx="3173868" cy="400110"/>
+          </a:xfrm>
+          <a:prstGeom prst="rect">
+            <a:avLst/>
+          </a:prstGeom>
+          <a:noFill/>
+        </p:spPr>
+        <p:txBody>
+          <a:bodyPr wrap="square" rtlCol="0">
+            <a:spAutoFit/>
+          </a:bodyPr>
+          <a:lstStyle/>
+          <a:p>
+            <a:r>
+              <a:rPr lang="fr-FR" sz="1000" b="1" i="1" dirty="0">
+                <a:solidFill>
+                  <a:schemeClr val="bg1"/>
+                </a:solidFill>
+              </a:rPr>
+              <a:t>http://www.science-et-vie.com/wp-content/uploads/2012/08/Galaxie_NGC_1187_ESO.jpg</a:t>
+            </a:r>
+          </a:p>
+        </p:txBody>
+      </p:sp>
+    </p:spTree>
+    <p:extLst>
+      <p:ext uri="{BB962C8B-B14F-4D97-AF65-F5344CB8AC3E}">
+        <p14:creationId xmlns:p14="http://schemas.microsoft.com/office/powerpoint/2010/main" val="41049202"/>
+      </p:ext>
+    </p:extLst>
+  </p:cSld>
+  <p:clrMapOvr>
+    <a:masterClrMapping/>
+  </p:clrMapOvr>
+</p:sld>
+</file>
+
+<file path=ppt/slides/slide5.xml><?xml version="1.0" encoding="utf-8"?>
+<p:sld xmlns:a="http://schemas.openxmlformats.org/drawingml/2006/main" xmlns:r="http://schemas.openxmlformats.org/officeDocument/2006/relationships" xmlns:p="http://schemas.openxmlformats.org/presentationml/2006/main">
+  <p:cSld>
+    <p:spTree>
+      <p:nvGrpSpPr>
+        <p:cNvPr id="1" name=""/>
+        <p:cNvGrpSpPr/>
+        <p:nvPr/>
+      </p:nvGrpSpPr>
+      <p:grpSpPr>
+        <a:xfrm>
+          <a:off x="0" y="0"/>
+          <a:ext cx="0" cy="0"/>
+          <a:chOff x="0" y="0"/>
+          <a:chExt cx="0" cy="0"/>
+        </a:xfrm>
+      </p:grpSpPr>
+      <p:pic>
+        <p:nvPicPr>
+          <p:cNvPr id="2050" name="Picture 2"/>
+          <p:cNvPicPr>
+            <a:picLocks noChangeAspect="1" noChangeArrowheads="1"/>
+          </p:cNvPicPr>
+          <p:nvPr/>
+        </p:nvPicPr>
+        <p:blipFill>
+          <a:blip r:embed="rId2">
+            <a:extLst>
+              <a:ext uri="{28A0092B-C50C-407E-A947-70E740481C1C}">
+                <a14:useLocalDpi xmlns:a14="http://schemas.microsoft.com/office/drawing/2010/main" val="0"/>
+              </a:ext>
+            </a:extLst>
+          </a:blip>
+          <a:srcRect/>
+          <a:stretch>
+            <a:fillRect/>
+          </a:stretch>
+        </p:blipFill>
+        <p:spPr bwMode="auto">
+          <a:xfrm>
+            <a:off x="1043608" y="692696"/>
+            <a:ext cx="2647950" cy="6029325"/>
+          </a:xfrm>
+          <a:prstGeom prst="rect">
+            <a:avLst/>
+          </a:prstGeom>
+          <a:ln>
+            <a:noFill/>
+          </a:ln>
+          <a:effectLst>
+            <a:outerShdw blurRad="292100" dist="139700" dir="2700000" algn="tl" rotWithShape="0">
+              <a:srgbClr val="333333">
+                <a:alpha val="65000"/>
+              </a:srgbClr>
+            </a:outerShdw>
+          </a:effectLst>
+          <a:extLst>
+            <a:ext uri="{909E8E84-426E-40DD-AFC4-6F175D3DCCD1}">
+              <a14:hiddenFill xmlns:a14="http://schemas.microsoft.com/office/drawing/2010/main">
+                <a:solidFill>
+                  <a:schemeClr val="accent1"/>
+                </a:solidFill>
+              </a14:hiddenFill>
+            </a:ext>
+            <a:ext uri="{91240B29-F687-4F45-9708-019B960494DF}">
+              <a14:hiddenLine xmlns:a14="http://schemas.microsoft.com/office/drawing/2010/main" w="9525">
+                <a:solidFill>
+                  <a:schemeClr val="tx1"/>
+                </a:solidFill>
+                <a:miter lim="800000"/>
+                <a:headEnd/>
+                <a:tailEnd/>
+              </a14:hiddenLine>
+            </a:ext>
+            <a:ext uri="{AF507438-7753-43E0-B8FC-AC1667EBCBE1}">
+              <a14:hiddenEffects xmlns:a14="http://schemas.microsoft.com/office/drawing/2010/main">
+                <a:effectLst>
+                  <a:outerShdw dist="35921" dir="2700000" algn="ctr" rotWithShape="0">
+                    <a:schemeClr val="bg2"/>
+                  </a:outerShdw>
+                </a:effectLst>
+              </a14:hiddenEffects>
+            </a:ext>
+          </a:extLst>
+        </p:spPr>
+      </p:pic>
+      <p:pic>
+        <p:nvPicPr>
+          <p:cNvPr id="2051" name="Picture 3"/>
+          <p:cNvPicPr>
+            <a:picLocks noChangeAspect="1" noChangeArrowheads="1"/>
+          </p:cNvPicPr>
+          <p:nvPr/>
+        </p:nvPicPr>
+        <p:blipFill>
+          <a:blip r:embed="rId3">
+            <a:extLst>
+              <a:ext uri="{28A0092B-C50C-407E-A947-70E740481C1C}">
+                <a14:useLocalDpi xmlns:a14="http://schemas.microsoft.com/office/drawing/2010/main" val="0"/>
+              </a:ext>
+            </a:extLst>
+          </a:blip>
+          <a:srcRect/>
+          <a:stretch>
+            <a:fillRect/>
+          </a:stretch>
+        </p:blipFill>
+        <p:spPr bwMode="auto">
+          <a:xfrm>
+            <a:off x="4211960" y="681079"/>
+            <a:ext cx="3533775" cy="5476875"/>
+          </a:xfrm>
+          <a:prstGeom prst="rect">
+            <a:avLst/>
+          </a:prstGeom>
+          <a:ln>
+            <a:noFill/>
+          </a:ln>
+          <a:effectLst>
+            <a:outerShdw blurRad="292100" dist="139700" dir="2700000" algn="tl" rotWithShape="0">
+              <a:srgbClr val="333333">
+                <a:alpha val="65000"/>
+              </a:srgbClr>
+            </a:outerShdw>
+          </a:effectLst>
+          <a:extLst>
+            <a:ext uri="{909E8E84-426E-40DD-AFC4-6F175D3DCCD1}">
+              <a14:hiddenFill xmlns:a14="http://schemas.microsoft.com/office/drawing/2010/main">
+                <a:solidFill>
+                  <a:schemeClr val="accent1"/>
+                </a:solidFill>
+              </a14:hiddenFill>
+            </a:ext>
+            <a:ext uri="{91240B29-F687-4F45-9708-019B960494DF}">
+              <a14:hiddenLine xmlns:a14="http://schemas.microsoft.com/office/drawing/2010/main" w="9525">
+                <a:solidFill>
+                  <a:schemeClr val="tx1"/>
+                </a:solidFill>
+                <a:miter lim="800000"/>
+                <a:headEnd/>
+                <a:tailEnd/>
+              </a14:hiddenLine>
+            </a:ext>
+            <a:ext uri="{AF507438-7753-43E0-B8FC-AC1667EBCBE1}">
+              <a14:hiddenEffects xmlns:a14="http://schemas.microsoft.com/office/drawing/2010/main">
+                <a:effectLst>
+                  <a:outerShdw dist="35921" dir="2700000" algn="ctr" rotWithShape="0">
+                    <a:schemeClr val="bg2"/>
+                  </a:outerShdw>
+                </a:effectLst>
+              </a14:hiddenEffects>
+            </a:ext>
+          </a:extLst>
+        </p:spPr>
+      </p:pic>
+    </p:spTree>
+    <p:extLst>
+      <p:ext uri="{BB962C8B-B14F-4D97-AF65-F5344CB8AC3E}">
+        <p14:creationId xmlns:p14="http://schemas.microsoft.com/office/powerpoint/2010/main" val="3447771414"/>
       </p:ext>
     </p:extLst>
   </p:cSld>

--- a/Telescope/EtudeTheorique/images/Figures.pptx
+++ b/Telescope/EtudeTheorique/images/Figures.pptx
@@ -8,8 +8,10 @@
     <p:sldId id="256" r:id="rId2"/>
     <p:sldId id="260" r:id="rId3"/>
     <p:sldId id="257" r:id="rId4"/>
-    <p:sldId id="258" r:id="rId5"/>
-    <p:sldId id="259" r:id="rId6"/>
+    <p:sldId id="261" r:id="rId5"/>
+    <p:sldId id="258" r:id="rId6"/>
+    <p:sldId id="259" r:id="rId7"/>
+    <p:sldId id="262" r:id="rId8"/>
   </p:sldIdLst>
   <p:sldSz cx="9144000" cy="6858000" type="screen4x3"/>
   <p:notesSz cx="6858000" cy="9144000"/>
@@ -292,7 +294,7 @@
           <a:p>
             <a:fld id="{AA309A6D-C09C-4548-B29A-6CF363A7E532}" type="datetimeFigureOut">
               <a:rPr lang="fr-FR" smtClean="0"/>
-              <a:t>07/01/2016</a:t>
+              <a:t>09/01/2016</a:t>
             </a:fld>
             <a:endParaRPr lang="fr-BE"/>
           </a:p>
@@ -457,7 +459,7 @@
           <a:p>
             <a:fld id="{AA309A6D-C09C-4548-B29A-6CF363A7E532}" type="datetimeFigureOut">
               <a:rPr lang="fr-FR" smtClean="0"/>
-              <a:t>07/01/2016</a:t>
+              <a:t>09/01/2016</a:t>
             </a:fld>
             <a:endParaRPr lang="fr-BE"/>
           </a:p>
@@ -632,7 +634,7 @@
           <a:p>
             <a:fld id="{AA309A6D-C09C-4548-B29A-6CF363A7E532}" type="datetimeFigureOut">
               <a:rPr lang="fr-FR" smtClean="0"/>
-              <a:t>07/01/2016</a:t>
+              <a:t>09/01/2016</a:t>
             </a:fld>
             <a:endParaRPr lang="fr-BE"/>
           </a:p>
@@ -797,7 +799,7 @@
           <a:p>
             <a:fld id="{AA309A6D-C09C-4548-B29A-6CF363A7E532}" type="datetimeFigureOut">
               <a:rPr lang="fr-FR" smtClean="0"/>
-              <a:t>07/01/2016</a:t>
+              <a:t>09/01/2016</a:t>
             </a:fld>
             <a:endParaRPr lang="fr-BE"/>
           </a:p>
@@ -1038,7 +1040,7 @@
           <a:p>
             <a:fld id="{AA309A6D-C09C-4548-B29A-6CF363A7E532}" type="datetimeFigureOut">
               <a:rPr lang="fr-FR" smtClean="0"/>
-              <a:t>07/01/2016</a:t>
+              <a:t>09/01/2016</a:t>
             </a:fld>
             <a:endParaRPr lang="fr-BE"/>
           </a:p>
@@ -1321,7 +1323,7 @@
           <a:p>
             <a:fld id="{AA309A6D-C09C-4548-B29A-6CF363A7E532}" type="datetimeFigureOut">
               <a:rPr lang="fr-FR" smtClean="0"/>
-              <a:t>07/01/2016</a:t>
+              <a:t>09/01/2016</a:t>
             </a:fld>
             <a:endParaRPr lang="fr-BE"/>
           </a:p>
@@ -1738,7 +1740,7 @@
           <a:p>
             <a:fld id="{AA309A6D-C09C-4548-B29A-6CF363A7E532}" type="datetimeFigureOut">
               <a:rPr lang="fr-FR" smtClean="0"/>
-              <a:t>07/01/2016</a:t>
+              <a:t>09/01/2016</a:t>
             </a:fld>
             <a:endParaRPr lang="fr-BE"/>
           </a:p>
@@ -1851,7 +1853,7 @@
           <a:p>
             <a:fld id="{AA309A6D-C09C-4548-B29A-6CF363A7E532}" type="datetimeFigureOut">
               <a:rPr lang="fr-FR" smtClean="0"/>
-              <a:t>07/01/2016</a:t>
+              <a:t>09/01/2016</a:t>
             </a:fld>
             <a:endParaRPr lang="fr-BE"/>
           </a:p>
@@ -1941,7 +1943,7 @@
           <a:p>
             <a:fld id="{AA309A6D-C09C-4548-B29A-6CF363A7E532}" type="datetimeFigureOut">
               <a:rPr lang="fr-FR" smtClean="0"/>
-              <a:t>07/01/2016</a:t>
+              <a:t>09/01/2016</a:t>
             </a:fld>
             <a:endParaRPr lang="fr-BE"/>
           </a:p>
@@ -2213,7 +2215,7 @@
           <a:p>
             <a:fld id="{AA309A6D-C09C-4548-B29A-6CF363A7E532}" type="datetimeFigureOut">
               <a:rPr lang="fr-FR" smtClean="0"/>
-              <a:t>07/01/2016</a:t>
+              <a:t>09/01/2016</a:t>
             </a:fld>
             <a:endParaRPr lang="fr-BE"/>
           </a:p>
@@ -2461,7 +2463,7 @@
           <a:p>
             <a:fld id="{AA309A6D-C09C-4548-B29A-6CF363A7E532}" type="datetimeFigureOut">
               <a:rPr lang="fr-FR" smtClean="0"/>
-              <a:t>07/01/2016</a:t>
+              <a:t>09/01/2016</a:t>
             </a:fld>
             <a:endParaRPr lang="fr-BE"/>
           </a:p>
@@ -2669,7 +2671,7 @@
           <a:p>
             <a:fld id="{AA309A6D-C09C-4548-B29A-6CF363A7E532}" type="datetimeFigureOut">
               <a:rPr lang="fr-FR" smtClean="0"/>
-              <a:t>07/01/2016</a:t>
+              <a:t>09/01/2016</a:t>
             </a:fld>
             <a:endParaRPr lang="fr-BE"/>
           </a:p>
@@ -6680,8 +6682,8 @@
           </a:fontRef>
         </p:style>
       </p:cxnSp>
-      <mc:AlternateContent xmlns:mc="http://schemas.openxmlformats.org/markup-compatibility/2006">
-        <mc:Choice xmlns:a14="http://schemas.microsoft.com/office/drawing/2010/main" Requires="a14">
+      <mc:AlternateContent xmlns:mc="http://schemas.openxmlformats.org/markup-compatibility/2006" xmlns:a14="http://schemas.microsoft.com/office/drawing/2010/main">
+        <mc:Choice Requires="a14">
           <p:sp>
             <p:nvSpPr>
               <p:cNvPr id="35" name="ZoneTexte 34"/>
@@ -6725,7 +6727,7 @@
             </p:txBody>
           </p:sp>
         </mc:Choice>
-        <mc:Fallback>
+        <mc:Fallback xmlns="">
           <p:sp>
             <p:nvSpPr>
               <p:cNvPr id="35" name="ZoneTexte 34"/>
@@ -6764,8 +6766,8 @@
           </p:sp>
         </mc:Fallback>
       </mc:AlternateContent>
-      <mc:AlternateContent xmlns:mc="http://schemas.openxmlformats.org/markup-compatibility/2006">
-        <mc:Choice xmlns:a14="http://schemas.microsoft.com/office/drawing/2010/main" Requires="a14">
+      <mc:AlternateContent xmlns:mc="http://schemas.openxmlformats.org/markup-compatibility/2006" xmlns:a14="http://schemas.microsoft.com/office/drawing/2010/main">
+        <mc:Choice Requires="a14">
           <p:sp>
             <p:nvSpPr>
               <p:cNvPr id="36" name="ZoneTexte 35"/>
@@ -6809,7 +6811,7 @@
             </p:txBody>
           </p:sp>
         </mc:Choice>
-        <mc:Fallback>
+        <mc:Fallback xmlns="">
           <p:sp>
             <p:nvSpPr>
               <p:cNvPr id="36" name="ZoneTexte 35"/>
@@ -6938,8 +6940,8 @@
           </a:p>
         </p:txBody>
       </p:sp>
-      <mc:AlternateContent xmlns:mc="http://schemas.openxmlformats.org/markup-compatibility/2006">
-        <mc:Choice xmlns:a14="http://schemas.microsoft.com/office/drawing/2010/main" Requires="a14">
+      <mc:AlternateContent xmlns:mc="http://schemas.openxmlformats.org/markup-compatibility/2006" xmlns:a14="http://schemas.microsoft.com/office/drawing/2010/main">
+        <mc:Choice Requires="a14">
           <p:sp>
             <p:nvSpPr>
               <p:cNvPr id="40" name="ZoneTexte 39"/>
@@ -6983,7 +6985,7 @@
             </p:txBody>
           </p:sp>
         </mc:Choice>
-        <mc:Fallback>
+        <mc:Fallback xmlns="">
           <p:sp>
             <p:nvSpPr>
               <p:cNvPr id="40" name="ZoneTexte 39"/>
@@ -8954,6 +8956,1492 @@
           <a:chExt cx="0" cy="0"/>
         </a:xfrm>
       </p:grpSpPr>
+      <p:cxnSp>
+        <p:nvCxnSpPr>
+          <p:cNvPr id="4" name="Connecteur droit 3"/>
+          <p:cNvCxnSpPr/>
+          <p:nvPr/>
+        </p:nvCxnSpPr>
+        <p:spPr>
+          <a:xfrm>
+            <a:off x="3851920" y="1988840"/>
+            <a:ext cx="1440160" cy="720080"/>
+          </a:xfrm>
+          <a:prstGeom prst="line">
+            <a:avLst/>
+          </a:prstGeom>
+          <a:ln w="19050">
+            <a:solidFill>
+              <a:schemeClr val="tx1">
+                <a:lumMod val="50000"/>
+                <a:lumOff val="50000"/>
+              </a:schemeClr>
+            </a:solidFill>
+            <a:tailEnd type="stealth" w="med" len="lg"/>
+          </a:ln>
+        </p:spPr>
+        <p:style>
+          <a:lnRef idx="1">
+            <a:schemeClr val="accent1"/>
+          </a:lnRef>
+          <a:fillRef idx="0">
+            <a:schemeClr val="accent1"/>
+          </a:fillRef>
+          <a:effectRef idx="0">
+            <a:schemeClr val="accent1"/>
+          </a:effectRef>
+          <a:fontRef idx="minor">
+            <a:schemeClr val="tx1"/>
+          </a:fontRef>
+        </p:style>
+      </p:cxnSp>
+      <p:cxnSp>
+        <p:nvCxnSpPr>
+          <p:cNvPr id="6" name="Connecteur droit 5"/>
+          <p:cNvCxnSpPr/>
+          <p:nvPr/>
+        </p:nvCxnSpPr>
+        <p:spPr>
+          <a:xfrm flipH="1">
+            <a:off x="2411760" y="1988840"/>
+            <a:ext cx="1440160" cy="720080"/>
+          </a:xfrm>
+          <a:prstGeom prst="line">
+            <a:avLst/>
+          </a:prstGeom>
+          <a:ln w="19050">
+            <a:solidFill>
+              <a:schemeClr val="tx1">
+                <a:lumMod val="50000"/>
+                <a:lumOff val="50000"/>
+              </a:schemeClr>
+            </a:solidFill>
+            <a:tailEnd type="stealth" w="med" len="lg"/>
+          </a:ln>
+        </p:spPr>
+        <p:style>
+          <a:lnRef idx="1">
+            <a:schemeClr val="accent1"/>
+          </a:lnRef>
+          <a:fillRef idx="0">
+            <a:schemeClr val="accent1"/>
+          </a:fillRef>
+          <a:effectRef idx="0">
+            <a:schemeClr val="accent1"/>
+          </a:effectRef>
+          <a:fontRef idx="minor">
+            <a:schemeClr val="tx1"/>
+          </a:fontRef>
+        </p:style>
+      </p:cxnSp>
+      <p:cxnSp>
+        <p:nvCxnSpPr>
+          <p:cNvPr id="7" name="Connecteur droit 6"/>
+          <p:cNvCxnSpPr/>
+          <p:nvPr/>
+        </p:nvCxnSpPr>
+        <p:spPr>
+          <a:xfrm flipV="1">
+            <a:off x="3851920" y="548680"/>
+            <a:ext cx="0" cy="1440160"/>
+          </a:xfrm>
+          <a:prstGeom prst="line">
+            <a:avLst/>
+          </a:prstGeom>
+          <a:ln w="19050">
+            <a:solidFill>
+              <a:schemeClr val="tx1">
+                <a:lumMod val="50000"/>
+                <a:lumOff val="50000"/>
+              </a:schemeClr>
+            </a:solidFill>
+            <a:tailEnd type="stealth" w="med" len="lg"/>
+          </a:ln>
+        </p:spPr>
+        <p:style>
+          <a:lnRef idx="1">
+            <a:schemeClr val="accent1"/>
+          </a:lnRef>
+          <a:fillRef idx="0">
+            <a:schemeClr val="accent1"/>
+          </a:fillRef>
+          <a:effectRef idx="0">
+            <a:schemeClr val="accent1"/>
+          </a:effectRef>
+          <a:fontRef idx="minor">
+            <a:schemeClr val="tx1"/>
+          </a:fontRef>
+        </p:style>
+      </p:cxnSp>
+      <p:sp>
+        <p:nvSpPr>
+          <p:cNvPr id="10" name="Ellipse 9"/>
+          <p:cNvSpPr/>
+          <p:nvPr/>
+        </p:nvSpPr>
+        <p:spPr>
+          <a:xfrm>
+            <a:off x="2951820" y="1088740"/>
+            <a:ext cx="1800200" cy="1800200"/>
+          </a:xfrm>
+          <a:prstGeom prst="ellipse">
+            <a:avLst/>
+          </a:prstGeom>
+          <a:noFill/>
+          <a:ln w="19050">
+            <a:solidFill>
+              <a:srgbClr val="002060"/>
+            </a:solidFill>
+          </a:ln>
+        </p:spPr>
+        <p:style>
+          <a:lnRef idx="2">
+            <a:schemeClr val="accent1">
+              <a:shade val="50000"/>
+            </a:schemeClr>
+          </a:lnRef>
+          <a:fillRef idx="1">
+            <a:schemeClr val="accent1"/>
+          </a:fillRef>
+          <a:effectRef idx="0">
+            <a:schemeClr val="accent1"/>
+          </a:effectRef>
+          <a:fontRef idx="minor">
+            <a:schemeClr val="lt1"/>
+          </a:fontRef>
+        </p:style>
+        <p:txBody>
+          <a:bodyPr rtlCol="0" anchor="ctr"/>
+          <a:lstStyle/>
+          <a:p>
+            <a:pPr algn="ctr"/>
+            <a:endParaRPr lang="fr-FR"/>
+          </a:p>
+        </p:txBody>
+      </p:sp>
+      <p:sp>
+        <p:nvSpPr>
+          <p:cNvPr id="12" name="Arc 11"/>
+          <p:cNvSpPr/>
+          <p:nvPr/>
+        </p:nvSpPr>
+        <p:spPr>
+          <a:xfrm>
+            <a:off x="2951820" y="1628800"/>
+            <a:ext cx="1800200" cy="720080"/>
+          </a:xfrm>
+          <a:prstGeom prst="arc">
+            <a:avLst>
+              <a:gd name="adj1" fmla="val 20987870"/>
+              <a:gd name="adj2" fmla="val 11432795"/>
+            </a:avLst>
+          </a:prstGeom>
+          <a:noFill/>
+          <a:ln w="19050">
+            <a:solidFill>
+              <a:srgbClr val="002060"/>
+            </a:solidFill>
+          </a:ln>
+        </p:spPr>
+        <p:style>
+          <a:lnRef idx="2">
+            <a:schemeClr val="accent1">
+              <a:shade val="50000"/>
+            </a:schemeClr>
+          </a:lnRef>
+          <a:fillRef idx="1">
+            <a:schemeClr val="accent1"/>
+          </a:fillRef>
+          <a:effectRef idx="0">
+            <a:schemeClr val="accent1"/>
+          </a:effectRef>
+          <a:fontRef idx="minor">
+            <a:schemeClr val="lt1"/>
+          </a:fontRef>
+        </p:style>
+        <p:txBody>
+          <a:bodyPr rtlCol="0" anchor="ctr"/>
+          <a:lstStyle/>
+          <a:p>
+            <a:pPr algn="ctr"/>
+            <a:endParaRPr lang="fr-FR">
+              <a:solidFill>
+                <a:schemeClr val="lt1"/>
+              </a:solidFill>
+            </a:endParaRPr>
+          </a:p>
+        </p:txBody>
+      </p:sp>
+      <p:sp>
+        <p:nvSpPr>
+          <p:cNvPr id="13" name="Arc 12"/>
+          <p:cNvSpPr/>
+          <p:nvPr/>
+        </p:nvSpPr>
+        <p:spPr>
+          <a:xfrm>
+            <a:off x="3131840" y="1320516"/>
+            <a:ext cx="1440160" cy="288032"/>
+          </a:xfrm>
+          <a:prstGeom prst="arc">
+            <a:avLst>
+              <a:gd name="adj1" fmla="val 21056547"/>
+              <a:gd name="adj2" fmla="val 11353046"/>
+            </a:avLst>
+          </a:prstGeom>
+          <a:noFill/>
+          <a:ln w="19050">
+            <a:solidFill>
+              <a:srgbClr val="002060"/>
+            </a:solidFill>
+          </a:ln>
+        </p:spPr>
+        <p:style>
+          <a:lnRef idx="2">
+            <a:schemeClr val="accent1">
+              <a:shade val="50000"/>
+            </a:schemeClr>
+          </a:lnRef>
+          <a:fillRef idx="1">
+            <a:schemeClr val="accent1"/>
+          </a:fillRef>
+          <a:effectRef idx="0">
+            <a:schemeClr val="accent1"/>
+          </a:effectRef>
+          <a:fontRef idx="minor">
+            <a:schemeClr val="lt1"/>
+          </a:fontRef>
+        </p:style>
+        <p:txBody>
+          <a:bodyPr rtlCol="0" anchor="ctr"/>
+          <a:lstStyle/>
+          <a:p>
+            <a:pPr algn="ctr"/>
+            <a:endParaRPr lang="fr-FR">
+              <a:solidFill>
+                <a:schemeClr val="lt1"/>
+              </a:solidFill>
+            </a:endParaRPr>
+          </a:p>
+        </p:txBody>
+      </p:sp>
+      <p:sp>
+        <p:nvSpPr>
+          <p:cNvPr id="14" name="Arc 13"/>
+          <p:cNvSpPr/>
+          <p:nvPr/>
+        </p:nvSpPr>
+        <p:spPr>
+          <a:xfrm rot="16200000">
+            <a:off x="2789802" y="1430778"/>
+            <a:ext cx="2124236" cy="1440160"/>
+          </a:xfrm>
+          <a:prstGeom prst="arc">
+            <a:avLst>
+              <a:gd name="adj1" fmla="val 20723626"/>
+              <a:gd name="adj2" fmla="val 5751392"/>
+            </a:avLst>
+          </a:prstGeom>
+          <a:noFill/>
+          <a:ln w="19050">
+            <a:solidFill>
+              <a:srgbClr val="002060"/>
+            </a:solidFill>
+          </a:ln>
+        </p:spPr>
+        <p:style>
+          <a:lnRef idx="2">
+            <a:schemeClr val="accent1">
+              <a:shade val="50000"/>
+            </a:schemeClr>
+          </a:lnRef>
+          <a:fillRef idx="1">
+            <a:schemeClr val="accent1"/>
+          </a:fillRef>
+          <a:effectRef idx="0">
+            <a:schemeClr val="accent1"/>
+          </a:effectRef>
+          <a:fontRef idx="minor">
+            <a:schemeClr val="lt1"/>
+          </a:fontRef>
+        </p:style>
+        <p:txBody>
+          <a:bodyPr rtlCol="0" anchor="ctr"/>
+          <a:lstStyle/>
+          <a:p>
+            <a:pPr algn="ctr"/>
+            <a:endParaRPr lang="fr-FR">
+              <a:solidFill>
+                <a:schemeClr val="lt1"/>
+              </a:solidFill>
+            </a:endParaRPr>
+          </a:p>
+        </p:txBody>
+      </p:sp>
+      <p:cxnSp>
+        <p:nvCxnSpPr>
+          <p:cNvPr id="15" name="Connecteur droit 14"/>
+          <p:cNvCxnSpPr/>
+          <p:nvPr/>
+        </p:nvCxnSpPr>
+        <p:spPr>
+          <a:xfrm flipV="1">
+            <a:off x="3851920" y="1268760"/>
+            <a:ext cx="900100" cy="720080"/>
+          </a:xfrm>
+          <a:prstGeom prst="line">
+            <a:avLst/>
+          </a:prstGeom>
+          <a:ln w="19050">
+            <a:tailEnd type="stealth" w="med" len="lg"/>
+          </a:ln>
+        </p:spPr>
+        <p:style>
+          <a:lnRef idx="1">
+            <a:schemeClr val="accent1"/>
+          </a:lnRef>
+          <a:fillRef idx="0">
+            <a:schemeClr val="accent1"/>
+          </a:fillRef>
+          <a:effectRef idx="0">
+            <a:schemeClr val="accent1"/>
+          </a:effectRef>
+          <a:fontRef idx="minor">
+            <a:schemeClr val="tx1"/>
+          </a:fontRef>
+        </p:style>
+      </p:cxnSp>
+      <mc:AlternateContent xmlns:mc="http://schemas.openxmlformats.org/markup-compatibility/2006" xmlns:a14="http://schemas.microsoft.com/office/drawing/2010/main">
+        <mc:Choice Requires="a14">
+          <p:sp>
+            <p:nvSpPr>
+              <p:cNvPr id="17" name="ZoneTexte 16"/>
+              <p:cNvSpPr txBox="1"/>
+              <p:nvPr/>
+            </p:nvSpPr>
+            <p:spPr>
+              <a:xfrm>
+                <a:off x="2123728" y="2488398"/>
+                <a:ext cx="368370" cy="261610"/>
+              </a:xfrm>
+              <a:prstGeom prst="rect">
+                <a:avLst/>
+              </a:prstGeom>
+              <a:noFill/>
+            </p:spPr>
+            <p:txBody>
+              <a:bodyPr wrap="none" rtlCol="0">
+                <a:spAutoFit/>
+              </a:bodyPr>
+              <a:lstStyle/>
+              <a:p>
+                <a:pPr/>
+                <a14:m>
+                  <m:oMathPara xmlns:m="http://schemas.openxmlformats.org/officeDocument/2006/math">
+                    <m:oMathParaPr>
+                      <m:jc m:val="centerGroup"/>
+                    </m:oMathParaPr>
+                    <m:oMath xmlns:m="http://schemas.openxmlformats.org/officeDocument/2006/math">
+                      <m:acc>
+                        <m:accPr>
+                          <m:chr m:val="⃗"/>
+                          <m:ctrlPr>
+                            <a:rPr lang="fr-FR" sz="1100" b="0" i="1" smtClean="0">
+                              <a:latin typeface="Cambria Math"/>
+                            </a:rPr>
+                          </m:ctrlPr>
+                        </m:accPr>
+                        <m:e>
+                          <m:sSub>
+                            <m:sSubPr>
+                              <m:ctrlPr>
+                                <a:rPr lang="fr-FR" sz="1100" b="0" i="1" smtClean="0">
+                                  <a:latin typeface="Cambria Math"/>
+                                </a:rPr>
+                              </m:ctrlPr>
+                            </m:sSubPr>
+                            <m:e>
+                              <m:r>
+                                <a:rPr lang="fr-FR" sz="1100" b="0" i="1" smtClean="0">
+                                  <a:latin typeface="Cambria Math"/>
+                                </a:rPr>
+                                <m:t>𝑥</m:t>
+                              </m:r>
+                            </m:e>
+                            <m:sub>
+                              <m:r>
+                                <a:rPr lang="fr-FR" sz="1100" b="0" i="1" smtClean="0">
+                                  <a:latin typeface="Cambria Math"/>
+                                </a:rPr>
+                                <m:t>𝐺</m:t>
+                              </m:r>
+                            </m:sub>
+                          </m:sSub>
+                        </m:e>
+                      </m:acc>
+                    </m:oMath>
+                  </m:oMathPara>
+                </a14:m>
+                <a:endParaRPr lang="fr-FR" sz="1100" dirty="0"/>
+              </a:p>
+            </p:txBody>
+          </p:sp>
+        </mc:Choice>
+        <mc:Fallback xmlns="">
+          <p:sp>
+            <p:nvSpPr>
+              <p:cNvPr id="17" name="ZoneTexte 16"/>
+              <p:cNvSpPr txBox="1">
+                <a:spLocks noRot="1" noChangeAspect="1" noMove="1" noResize="1" noEditPoints="1" noAdjustHandles="1" noChangeArrowheads="1" noChangeShapeType="1" noTextEdit="1"/>
+              </p:cNvSpPr>
+              <p:nvPr/>
+            </p:nvSpPr>
+            <p:spPr>
+              <a:xfrm>
+                <a:off x="2123728" y="2488398"/>
+                <a:ext cx="368370" cy="261610"/>
+              </a:xfrm>
+              <a:prstGeom prst="rect">
+                <a:avLst/>
+              </a:prstGeom>
+              <a:blipFill rotWithShape="1">
+                <a:blip r:embed="rId2"/>
+                <a:stretch>
+                  <a:fillRect/>
+                </a:stretch>
+              </a:blipFill>
+            </p:spPr>
+            <p:txBody>
+              <a:bodyPr/>
+              <a:lstStyle/>
+              <a:p>
+                <a:r>
+                  <a:rPr lang="fr-FR">
+                    <a:noFill/>
+                  </a:rPr>
+                  <a:t> </a:t>
+                </a:r>
+              </a:p>
+            </p:txBody>
+          </p:sp>
+        </mc:Fallback>
+      </mc:AlternateContent>
+      <mc:AlternateContent xmlns:mc="http://schemas.openxmlformats.org/markup-compatibility/2006" xmlns:a14="http://schemas.microsoft.com/office/drawing/2010/main">
+        <mc:Choice Requires="a14">
+          <p:sp>
+            <p:nvSpPr>
+              <p:cNvPr id="18" name="ZoneTexte 17"/>
+              <p:cNvSpPr txBox="1"/>
+              <p:nvPr/>
+            </p:nvSpPr>
+            <p:spPr>
+              <a:xfrm>
+                <a:off x="5005416" y="2707934"/>
+                <a:ext cx="368627" cy="261610"/>
+              </a:xfrm>
+              <a:prstGeom prst="rect">
+                <a:avLst/>
+              </a:prstGeom>
+              <a:noFill/>
+            </p:spPr>
+            <p:txBody>
+              <a:bodyPr wrap="none" rtlCol="0">
+                <a:spAutoFit/>
+              </a:bodyPr>
+              <a:lstStyle/>
+              <a:p>
+                <a:pPr/>
+                <a14:m>
+                  <m:oMathPara xmlns:m="http://schemas.openxmlformats.org/officeDocument/2006/math">
+                    <m:oMathParaPr>
+                      <m:jc m:val="centerGroup"/>
+                    </m:oMathParaPr>
+                    <m:oMath xmlns:m="http://schemas.openxmlformats.org/officeDocument/2006/math">
+                      <m:acc>
+                        <m:accPr>
+                          <m:chr m:val="⃗"/>
+                          <m:ctrlPr>
+                            <a:rPr lang="fr-FR" sz="1100" b="0" i="1" smtClean="0">
+                              <a:latin typeface="Cambria Math"/>
+                            </a:rPr>
+                          </m:ctrlPr>
+                        </m:accPr>
+                        <m:e>
+                          <m:sSub>
+                            <m:sSubPr>
+                              <m:ctrlPr>
+                                <a:rPr lang="fr-FR" sz="1100" b="0" i="1" smtClean="0">
+                                  <a:latin typeface="Cambria Math"/>
+                                </a:rPr>
+                              </m:ctrlPr>
+                            </m:sSubPr>
+                            <m:e>
+                              <m:r>
+                                <a:rPr lang="fr-FR" sz="1100" b="0" i="1" smtClean="0">
+                                  <a:latin typeface="Cambria Math"/>
+                                </a:rPr>
+                                <m:t>𝑦</m:t>
+                              </m:r>
+                            </m:e>
+                            <m:sub>
+                              <m:r>
+                                <a:rPr lang="fr-FR" sz="1100" b="0" i="1" smtClean="0">
+                                  <a:latin typeface="Cambria Math"/>
+                                </a:rPr>
+                                <m:t>𝐺</m:t>
+                              </m:r>
+                            </m:sub>
+                          </m:sSub>
+                        </m:e>
+                      </m:acc>
+                    </m:oMath>
+                  </m:oMathPara>
+                </a14:m>
+                <a:endParaRPr lang="fr-FR" sz="1100" dirty="0"/>
+              </a:p>
+            </p:txBody>
+          </p:sp>
+        </mc:Choice>
+        <mc:Fallback xmlns="">
+          <p:sp>
+            <p:nvSpPr>
+              <p:cNvPr id="18" name="ZoneTexte 17"/>
+              <p:cNvSpPr txBox="1">
+                <a:spLocks noRot="1" noChangeAspect="1" noMove="1" noResize="1" noEditPoints="1" noAdjustHandles="1" noChangeArrowheads="1" noChangeShapeType="1" noTextEdit="1"/>
+              </p:cNvSpPr>
+              <p:nvPr/>
+            </p:nvSpPr>
+            <p:spPr>
+              <a:xfrm>
+                <a:off x="5005416" y="2707934"/>
+                <a:ext cx="368627" cy="261610"/>
+              </a:xfrm>
+              <a:prstGeom prst="rect">
+                <a:avLst/>
+              </a:prstGeom>
+              <a:blipFill rotWithShape="1">
+                <a:blip r:embed="rId3"/>
+                <a:stretch>
+                  <a:fillRect/>
+                </a:stretch>
+              </a:blipFill>
+            </p:spPr>
+            <p:txBody>
+              <a:bodyPr/>
+              <a:lstStyle/>
+              <a:p>
+                <a:r>
+                  <a:rPr lang="fr-FR">
+                    <a:noFill/>
+                  </a:rPr>
+                  <a:t> </a:t>
+                </a:r>
+              </a:p>
+            </p:txBody>
+          </p:sp>
+        </mc:Fallback>
+      </mc:AlternateContent>
+      <mc:AlternateContent xmlns:mc="http://schemas.openxmlformats.org/markup-compatibility/2006" xmlns:a14="http://schemas.microsoft.com/office/drawing/2010/main">
+        <mc:Choice Requires="a14">
+          <p:sp>
+            <p:nvSpPr>
+              <p:cNvPr id="19" name="ZoneTexte 18"/>
+              <p:cNvSpPr txBox="1"/>
+              <p:nvPr/>
+            </p:nvSpPr>
+            <p:spPr>
+              <a:xfrm>
+                <a:off x="3850223" y="692696"/>
+                <a:ext cx="359842" cy="261610"/>
+              </a:xfrm>
+              <a:prstGeom prst="rect">
+                <a:avLst/>
+              </a:prstGeom>
+              <a:noFill/>
+            </p:spPr>
+            <p:txBody>
+              <a:bodyPr wrap="none" rtlCol="0">
+                <a:spAutoFit/>
+              </a:bodyPr>
+              <a:lstStyle/>
+              <a:p>
+                <a:pPr/>
+                <a14:m>
+                  <m:oMathPara xmlns:m="http://schemas.openxmlformats.org/officeDocument/2006/math">
+                    <m:oMathParaPr>
+                      <m:jc m:val="centerGroup"/>
+                    </m:oMathParaPr>
+                    <m:oMath xmlns:m="http://schemas.openxmlformats.org/officeDocument/2006/math">
+                      <m:acc>
+                        <m:accPr>
+                          <m:chr m:val="⃗"/>
+                          <m:ctrlPr>
+                            <a:rPr lang="fr-FR" sz="1100" b="0" i="1" smtClean="0">
+                              <a:latin typeface="Cambria Math"/>
+                            </a:rPr>
+                          </m:ctrlPr>
+                        </m:accPr>
+                        <m:e>
+                          <m:sSub>
+                            <m:sSubPr>
+                              <m:ctrlPr>
+                                <a:rPr lang="fr-FR" sz="1100" b="0" i="1" smtClean="0">
+                                  <a:latin typeface="Cambria Math"/>
+                                </a:rPr>
+                              </m:ctrlPr>
+                            </m:sSubPr>
+                            <m:e>
+                              <m:r>
+                                <a:rPr lang="fr-FR" sz="1100" b="0" i="1" smtClean="0">
+                                  <a:latin typeface="Cambria Math"/>
+                                </a:rPr>
+                                <m:t>𝑧</m:t>
+                              </m:r>
+                            </m:e>
+                            <m:sub>
+                              <m:r>
+                                <a:rPr lang="fr-FR" sz="1100" b="0" i="1" smtClean="0">
+                                  <a:latin typeface="Cambria Math"/>
+                                </a:rPr>
+                                <m:t>𝐺</m:t>
+                              </m:r>
+                            </m:sub>
+                          </m:sSub>
+                        </m:e>
+                      </m:acc>
+                    </m:oMath>
+                  </m:oMathPara>
+                </a14:m>
+                <a:endParaRPr lang="fr-FR" sz="1100" dirty="0"/>
+              </a:p>
+            </p:txBody>
+          </p:sp>
+        </mc:Choice>
+        <mc:Fallback xmlns="">
+          <p:sp>
+            <p:nvSpPr>
+              <p:cNvPr id="19" name="ZoneTexte 18"/>
+              <p:cNvSpPr txBox="1">
+                <a:spLocks noRot="1" noChangeAspect="1" noMove="1" noResize="1" noEditPoints="1" noAdjustHandles="1" noChangeArrowheads="1" noChangeShapeType="1" noTextEdit="1"/>
+              </p:cNvSpPr>
+              <p:nvPr/>
+            </p:nvSpPr>
+            <p:spPr>
+              <a:xfrm>
+                <a:off x="3850223" y="692696"/>
+                <a:ext cx="359842" cy="261610"/>
+              </a:xfrm>
+              <a:prstGeom prst="rect">
+                <a:avLst/>
+              </a:prstGeom>
+              <a:blipFill rotWithShape="1">
+                <a:blip r:embed="rId4"/>
+                <a:stretch>
+                  <a:fillRect/>
+                </a:stretch>
+              </a:blipFill>
+            </p:spPr>
+            <p:txBody>
+              <a:bodyPr/>
+              <a:lstStyle/>
+              <a:p>
+                <a:r>
+                  <a:rPr lang="fr-FR">
+                    <a:noFill/>
+                  </a:rPr>
+                  <a:t> </a:t>
+                </a:r>
+              </a:p>
+            </p:txBody>
+          </p:sp>
+        </mc:Fallback>
+      </mc:AlternateContent>
+      <p:sp>
+        <p:nvSpPr>
+          <p:cNvPr id="20" name="Ellipse 19"/>
+          <p:cNvSpPr/>
+          <p:nvPr/>
+        </p:nvSpPr>
+        <p:spPr>
+          <a:xfrm>
+            <a:off x="4402106" y="1505709"/>
+            <a:ext cx="72008" cy="72008"/>
+          </a:xfrm>
+          <a:prstGeom prst="ellipse">
+            <a:avLst/>
+          </a:prstGeom>
+          <a:solidFill>
+            <a:srgbClr val="FF0000"/>
+          </a:solidFill>
+          <a:ln>
+            <a:solidFill>
+              <a:srgbClr val="FF0000"/>
+            </a:solidFill>
+          </a:ln>
+        </p:spPr>
+        <p:style>
+          <a:lnRef idx="2">
+            <a:schemeClr val="accent1">
+              <a:shade val="50000"/>
+            </a:schemeClr>
+          </a:lnRef>
+          <a:fillRef idx="1">
+            <a:schemeClr val="accent1"/>
+          </a:fillRef>
+          <a:effectRef idx="0">
+            <a:schemeClr val="accent1"/>
+          </a:effectRef>
+          <a:fontRef idx="minor">
+            <a:schemeClr val="lt1"/>
+          </a:fontRef>
+        </p:style>
+        <p:txBody>
+          <a:bodyPr rtlCol="0" anchor="ctr"/>
+          <a:lstStyle/>
+          <a:p>
+            <a:pPr algn="ctr"/>
+            <a:endParaRPr lang="fr-FR"/>
+          </a:p>
+        </p:txBody>
+      </p:sp>
+      <mc:AlternateContent xmlns:mc="http://schemas.openxmlformats.org/markup-compatibility/2006" xmlns:a14="http://schemas.microsoft.com/office/drawing/2010/main">
+        <mc:Choice Requires="a14">
+          <p:sp>
+            <p:nvSpPr>
+              <p:cNvPr id="21" name="ZoneTexte 20"/>
+              <p:cNvSpPr txBox="1"/>
+              <p:nvPr/>
+            </p:nvSpPr>
+            <p:spPr>
+              <a:xfrm>
+                <a:off x="4765797" y="1137955"/>
+                <a:ext cx="347338" cy="261610"/>
+              </a:xfrm>
+              <a:prstGeom prst="rect">
+                <a:avLst/>
+              </a:prstGeom>
+              <a:noFill/>
+            </p:spPr>
+            <p:txBody>
+              <a:bodyPr wrap="none" rtlCol="0">
+                <a:spAutoFit/>
+              </a:bodyPr>
+              <a:lstStyle/>
+              <a:p>
+                <a:pPr/>
+                <a14:m>
+                  <m:oMathPara xmlns:m="http://schemas.openxmlformats.org/officeDocument/2006/math">
+                    <m:oMathParaPr>
+                      <m:jc m:val="centerGroup"/>
+                    </m:oMathParaPr>
+                    <m:oMath xmlns:m="http://schemas.openxmlformats.org/officeDocument/2006/math">
+                      <m:acc>
+                        <m:accPr>
+                          <m:chr m:val="⃗"/>
+                          <m:ctrlPr>
+                            <a:rPr lang="fr-FR" sz="1100" b="0" i="1" smtClean="0">
+                              <a:latin typeface="Cambria Math"/>
+                            </a:rPr>
+                          </m:ctrlPr>
+                        </m:accPr>
+                        <m:e>
+                          <m:sSub>
+                            <m:sSubPr>
+                              <m:ctrlPr>
+                                <a:rPr lang="fr-FR" sz="1100" b="0" i="1" smtClean="0">
+                                  <a:latin typeface="Cambria Math"/>
+                                </a:rPr>
+                              </m:ctrlPr>
+                            </m:sSubPr>
+                            <m:e>
+                              <m:r>
+                                <a:rPr lang="fr-FR" sz="1100" b="0" i="1" smtClean="0">
+                                  <a:latin typeface="Cambria Math"/>
+                                </a:rPr>
+                                <m:t>𝑧</m:t>
+                              </m:r>
+                            </m:e>
+                            <m:sub>
+                              <m:r>
+                                <a:rPr lang="fr-FR" sz="1100" b="0" i="1" smtClean="0">
+                                  <a:latin typeface="Cambria Math"/>
+                                </a:rPr>
+                                <m:t>0</m:t>
+                              </m:r>
+                            </m:sub>
+                          </m:sSub>
+                        </m:e>
+                      </m:acc>
+                    </m:oMath>
+                  </m:oMathPara>
+                </a14:m>
+                <a:endParaRPr lang="fr-FR" sz="1100" dirty="0"/>
+              </a:p>
+            </p:txBody>
+          </p:sp>
+        </mc:Choice>
+        <mc:Fallback xmlns="">
+          <p:sp>
+            <p:nvSpPr>
+              <p:cNvPr id="21" name="ZoneTexte 20"/>
+              <p:cNvSpPr txBox="1">
+                <a:spLocks noRot="1" noChangeAspect="1" noMove="1" noResize="1" noEditPoints="1" noAdjustHandles="1" noChangeArrowheads="1" noChangeShapeType="1" noTextEdit="1"/>
+              </p:cNvSpPr>
+              <p:nvPr/>
+            </p:nvSpPr>
+            <p:spPr>
+              <a:xfrm>
+                <a:off x="4765797" y="1137955"/>
+                <a:ext cx="347338" cy="261610"/>
+              </a:xfrm>
+              <a:prstGeom prst="rect">
+                <a:avLst/>
+              </a:prstGeom>
+              <a:blipFill rotWithShape="1">
+                <a:blip r:embed="rId5"/>
+                <a:stretch>
+                  <a:fillRect/>
+                </a:stretch>
+              </a:blipFill>
+            </p:spPr>
+            <p:txBody>
+              <a:bodyPr/>
+              <a:lstStyle/>
+              <a:p>
+                <a:r>
+                  <a:rPr lang="fr-FR">
+                    <a:noFill/>
+                  </a:rPr>
+                  <a:t> </a:t>
+                </a:r>
+              </a:p>
+            </p:txBody>
+          </p:sp>
+        </mc:Fallback>
+      </mc:AlternateContent>
+      <p:grpSp>
+        <p:nvGrpSpPr>
+          <p:cNvPr id="24" name="Groupe 23"/>
+          <p:cNvGrpSpPr/>
+          <p:nvPr/>
+        </p:nvGrpSpPr>
+        <p:grpSpPr>
+          <a:xfrm rot="21193548">
+            <a:off x="2673545" y="1918365"/>
+            <a:ext cx="2564417" cy="776683"/>
+            <a:chOff x="2782011" y="2068897"/>
+            <a:chExt cx="2564417" cy="776683"/>
+          </a:xfrm>
+        </p:grpSpPr>
+        <p:cxnSp>
+          <p:nvCxnSpPr>
+            <p:cNvPr id="22" name="Connecteur droit 21"/>
+            <p:cNvCxnSpPr/>
+            <p:nvPr/>
+          </p:nvCxnSpPr>
+          <p:spPr>
+            <a:xfrm rot="406452">
+              <a:off x="3970311" y="2220673"/>
+              <a:ext cx="1376117" cy="495184"/>
+            </a:xfrm>
+            <a:prstGeom prst="line">
+              <a:avLst/>
+            </a:prstGeom>
+            <a:ln w="19050">
+              <a:solidFill>
+                <a:schemeClr val="accent6"/>
+              </a:solidFill>
+              <a:tailEnd type="stealth" w="med" len="lg"/>
+            </a:ln>
+          </p:spPr>
+          <p:style>
+            <a:lnRef idx="1">
+              <a:schemeClr val="accent1"/>
+            </a:lnRef>
+            <a:fillRef idx="0">
+              <a:schemeClr val="accent1"/>
+            </a:fillRef>
+            <a:effectRef idx="0">
+              <a:schemeClr val="accent1"/>
+            </a:effectRef>
+            <a:fontRef idx="minor">
+              <a:schemeClr val="tx1"/>
+            </a:fontRef>
+          </p:style>
+        </p:cxnSp>
+        <p:cxnSp>
+          <p:nvCxnSpPr>
+            <p:cNvPr id="23" name="Connecteur droit 22"/>
+            <p:cNvCxnSpPr/>
+            <p:nvPr/>
+          </p:nvCxnSpPr>
+          <p:spPr>
+            <a:xfrm rot="406452" flipH="1">
+              <a:off x="2782011" y="2068897"/>
+              <a:ext cx="1180623" cy="776683"/>
+            </a:xfrm>
+            <a:prstGeom prst="line">
+              <a:avLst/>
+            </a:prstGeom>
+            <a:ln w="19050">
+              <a:solidFill>
+                <a:schemeClr val="accent6"/>
+              </a:solidFill>
+              <a:tailEnd type="stealth" w="med" len="lg"/>
+            </a:ln>
+          </p:spPr>
+          <p:style>
+            <a:lnRef idx="1">
+              <a:schemeClr val="accent1"/>
+            </a:lnRef>
+            <a:fillRef idx="0">
+              <a:schemeClr val="accent1"/>
+            </a:fillRef>
+            <a:effectRef idx="0">
+              <a:schemeClr val="accent1"/>
+            </a:effectRef>
+            <a:fontRef idx="minor">
+              <a:schemeClr val="tx1"/>
+            </a:fontRef>
+          </p:style>
+        </p:cxnSp>
+      </p:grpSp>
+      <mc:AlternateContent xmlns:mc="http://schemas.openxmlformats.org/markup-compatibility/2006" xmlns:a14="http://schemas.microsoft.com/office/drawing/2010/main">
+        <mc:Choice Requires="a14">
+          <p:sp>
+            <p:nvSpPr>
+              <p:cNvPr id="25" name="ZoneTexte 24"/>
+              <p:cNvSpPr txBox="1"/>
+              <p:nvPr/>
+            </p:nvSpPr>
+            <p:spPr>
+              <a:xfrm>
+                <a:off x="2583193" y="2820668"/>
+                <a:ext cx="367152" cy="261610"/>
+              </a:xfrm>
+              <a:prstGeom prst="rect">
+                <a:avLst/>
+              </a:prstGeom>
+              <a:noFill/>
+            </p:spPr>
+            <p:txBody>
+              <a:bodyPr wrap="none" rtlCol="0">
+                <a:spAutoFit/>
+              </a:bodyPr>
+              <a:lstStyle/>
+              <a:p>
+                <a:pPr/>
+                <a14:m>
+                  <m:oMathPara xmlns:m="http://schemas.openxmlformats.org/officeDocument/2006/math">
+                    <m:oMathParaPr>
+                      <m:jc m:val="centerGroup"/>
+                    </m:oMathParaPr>
+                    <m:oMath xmlns:m="http://schemas.openxmlformats.org/officeDocument/2006/math">
+                      <m:acc>
+                        <m:accPr>
+                          <m:chr m:val="⃗"/>
+                          <m:ctrlPr>
+                            <a:rPr lang="fr-FR" sz="1100" b="0" i="1" smtClean="0">
+                              <a:latin typeface="Cambria Math"/>
+                            </a:rPr>
+                          </m:ctrlPr>
+                        </m:accPr>
+                        <m:e>
+                          <m:sSub>
+                            <m:sSubPr>
+                              <m:ctrlPr>
+                                <a:rPr lang="fr-FR" sz="1100" b="0" i="1" smtClean="0">
+                                  <a:latin typeface="Cambria Math"/>
+                                </a:rPr>
+                              </m:ctrlPr>
+                            </m:sSubPr>
+                            <m:e>
+                              <m:r>
+                                <a:rPr lang="fr-FR" sz="1100" b="0" i="1" smtClean="0">
+                                  <a:latin typeface="Cambria Math"/>
+                                </a:rPr>
+                                <m:t>𝑥</m:t>
+                              </m:r>
+                            </m:e>
+                            <m:sub>
+                              <m:r>
+                                <a:rPr lang="fr-FR" sz="1100" b="0" i="1" smtClean="0">
+                                  <a:latin typeface="Cambria Math"/>
+                                </a:rPr>
+                                <m:t>𝑇</m:t>
+                              </m:r>
+                            </m:sub>
+                          </m:sSub>
+                        </m:e>
+                      </m:acc>
+                    </m:oMath>
+                  </m:oMathPara>
+                </a14:m>
+                <a:endParaRPr lang="fr-FR" sz="1100" dirty="0"/>
+              </a:p>
+            </p:txBody>
+          </p:sp>
+        </mc:Choice>
+        <mc:Fallback xmlns="">
+          <p:sp>
+            <p:nvSpPr>
+              <p:cNvPr id="25" name="ZoneTexte 24"/>
+              <p:cNvSpPr txBox="1">
+                <a:spLocks noRot="1" noChangeAspect="1" noMove="1" noResize="1" noEditPoints="1" noAdjustHandles="1" noChangeArrowheads="1" noChangeShapeType="1" noTextEdit="1"/>
+              </p:cNvSpPr>
+              <p:nvPr/>
+            </p:nvSpPr>
+            <p:spPr>
+              <a:xfrm>
+                <a:off x="2583193" y="2820668"/>
+                <a:ext cx="367152" cy="261610"/>
+              </a:xfrm>
+              <a:prstGeom prst="rect">
+                <a:avLst/>
+              </a:prstGeom>
+              <a:blipFill rotWithShape="1">
+                <a:blip r:embed="rId6"/>
+                <a:stretch>
+                  <a:fillRect/>
+                </a:stretch>
+              </a:blipFill>
+            </p:spPr>
+            <p:txBody>
+              <a:bodyPr/>
+              <a:lstStyle/>
+              <a:p>
+                <a:r>
+                  <a:rPr lang="fr-FR">
+                    <a:noFill/>
+                  </a:rPr>
+                  <a:t> </a:t>
+                </a:r>
+              </a:p>
+            </p:txBody>
+          </p:sp>
+        </mc:Fallback>
+      </mc:AlternateContent>
+      <mc:AlternateContent xmlns:mc="http://schemas.openxmlformats.org/markup-compatibility/2006" xmlns:a14="http://schemas.microsoft.com/office/drawing/2010/main">
+        <mc:Choice Requires="a14">
+          <p:sp>
+            <p:nvSpPr>
+              <p:cNvPr id="26" name="ZoneTexte 25"/>
+              <p:cNvSpPr txBox="1"/>
+              <p:nvPr/>
+            </p:nvSpPr>
+            <p:spPr>
+              <a:xfrm>
+                <a:off x="5340908" y="2348880"/>
+                <a:ext cx="367408" cy="261610"/>
+              </a:xfrm>
+              <a:prstGeom prst="rect">
+                <a:avLst/>
+              </a:prstGeom>
+              <a:noFill/>
+            </p:spPr>
+            <p:txBody>
+              <a:bodyPr wrap="none" rtlCol="0">
+                <a:spAutoFit/>
+              </a:bodyPr>
+              <a:lstStyle/>
+              <a:p>
+                <a:pPr/>
+                <a14:m>
+                  <m:oMathPara xmlns:m="http://schemas.openxmlformats.org/officeDocument/2006/math">
+                    <m:oMathParaPr>
+                      <m:jc m:val="centerGroup"/>
+                    </m:oMathParaPr>
+                    <m:oMath xmlns:m="http://schemas.openxmlformats.org/officeDocument/2006/math">
+                      <m:acc>
+                        <m:accPr>
+                          <m:chr m:val="⃗"/>
+                          <m:ctrlPr>
+                            <a:rPr lang="fr-FR" sz="1100" b="0" i="1" smtClean="0">
+                              <a:latin typeface="Cambria Math"/>
+                            </a:rPr>
+                          </m:ctrlPr>
+                        </m:accPr>
+                        <m:e>
+                          <m:sSub>
+                            <m:sSubPr>
+                              <m:ctrlPr>
+                                <a:rPr lang="fr-FR" sz="1100" b="0" i="1" smtClean="0">
+                                  <a:latin typeface="Cambria Math"/>
+                                </a:rPr>
+                              </m:ctrlPr>
+                            </m:sSubPr>
+                            <m:e>
+                              <m:r>
+                                <a:rPr lang="fr-FR" sz="1100" b="0" i="1" smtClean="0">
+                                  <a:latin typeface="Cambria Math"/>
+                                </a:rPr>
+                                <m:t>𝑦</m:t>
+                              </m:r>
+                            </m:e>
+                            <m:sub>
+                              <m:r>
+                                <a:rPr lang="fr-FR" sz="1100" b="0" i="1" smtClean="0">
+                                  <a:latin typeface="Cambria Math"/>
+                                </a:rPr>
+                                <m:t>𝑇</m:t>
+                              </m:r>
+                            </m:sub>
+                          </m:sSub>
+                        </m:e>
+                      </m:acc>
+                    </m:oMath>
+                  </m:oMathPara>
+                </a14:m>
+                <a:endParaRPr lang="fr-FR" sz="1100" dirty="0"/>
+              </a:p>
+            </p:txBody>
+          </p:sp>
+        </mc:Choice>
+        <mc:Fallback xmlns="">
+          <p:sp>
+            <p:nvSpPr>
+              <p:cNvPr id="26" name="ZoneTexte 25"/>
+              <p:cNvSpPr txBox="1">
+                <a:spLocks noRot="1" noChangeAspect="1" noMove="1" noResize="1" noEditPoints="1" noAdjustHandles="1" noChangeArrowheads="1" noChangeShapeType="1" noTextEdit="1"/>
+              </p:cNvSpPr>
+              <p:nvPr/>
+            </p:nvSpPr>
+            <p:spPr>
+              <a:xfrm>
+                <a:off x="5340908" y="2348880"/>
+                <a:ext cx="367408" cy="261610"/>
+              </a:xfrm>
+              <a:prstGeom prst="rect">
+                <a:avLst/>
+              </a:prstGeom>
+              <a:blipFill rotWithShape="1">
+                <a:blip r:embed="rId7"/>
+                <a:stretch>
+                  <a:fillRect/>
+                </a:stretch>
+              </a:blipFill>
+            </p:spPr>
+            <p:txBody>
+              <a:bodyPr/>
+              <a:lstStyle/>
+              <a:p>
+                <a:r>
+                  <a:rPr lang="fr-FR">
+                    <a:noFill/>
+                  </a:rPr>
+                  <a:t> </a:t>
+                </a:r>
+              </a:p>
+            </p:txBody>
+          </p:sp>
+        </mc:Fallback>
+      </mc:AlternateContent>
+      <p:sp>
+        <p:nvSpPr>
+          <p:cNvPr id="29" name="Arc 28"/>
+          <p:cNvSpPr/>
+          <p:nvPr/>
+        </p:nvSpPr>
+        <p:spPr>
+          <a:xfrm rot="19800000">
+            <a:off x="2643421" y="1540000"/>
+            <a:ext cx="2296974" cy="918790"/>
+          </a:xfrm>
+          <a:prstGeom prst="arc">
+            <a:avLst>
+              <a:gd name="adj1" fmla="val 10454499"/>
+              <a:gd name="adj2" fmla="val 10930171"/>
+            </a:avLst>
+          </a:prstGeom>
+          <a:noFill/>
+          <a:ln w="19050">
+            <a:solidFill>
+              <a:srgbClr val="002060"/>
+            </a:solidFill>
+            <a:headEnd type="stealth" w="sm" len="lg"/>
+          </a:ln>
+        </p:spPr>
+        <p:style>
+          <a:lnRef idx="2">
+            <a:schemeClr val="accent1">
+              <a:shade val="50000"/>
+            </a:schemeClr>
+          </a:lnRef>
+          <a:fillRef idx="1">
+            <a:schemeClr val="accent1"/>
+          </a:fillRef>
+          <a:effectRef idx="0">
+            <a:schemeClr val="accent1"/>
+          </a:effectRef>
+          <a:fontRef idx="minor">
+            <a:schemeClr val="lt1"/>
+          </a:fontRef>
+        </p:style>
+        <p:txBody>
+          <a:bodyPr rtlCol="0" anchor="ctr"/>
+          <a:lstStyle/>
+          <a:p>
+            <a:pPr algn="ctr"/>
+            <a:endParaRPr lang="fr-FR">
+              <a:solidFill>
+                <a:schemeClr val="lt1"/>
+              </a:solidFill>
+            </a:endParaRPr>
+          </a:p>
+        </p:txBody>
+      </p:sp>
+      <mc:AlternateContent xmlns:mc="http://schemas.openxmlformats.org/markup-compatibility/2006" xmlns:a14="http://schemas.microsoft.com/office/drawing/2010/main">
+        <mc:Choice Requires="a14">
+          <p:sp>
+            <p:nvSpPr>
+              <p:cNvPr id="30" name="ZoneTexte 29"/>
+              <p:cNvSpPr txBox="1"/>
+              <p:nvPr/>
+            </p:nvSpPr>
+            <p:spPr>
+              <a:xfrm>
+                <a:off x="2616279" y="2247572"/>
+                <a:ext cx="300980" cy="261610"/>
+              </a:xfrm>
+              <a:prstGeom prst="rect">
+                <a:avLst/>
+              </a:prstGeom>
+              <a:noFill/>
+            </p:spPr>
+            <p:txBody>
+              <a:bodyPr wrap="none" rtlCol="0">
+                <a:spAutoFit/>
+              </a:bodyPr>
+              <a:lstStyle/>
+              <a:p>
+                <a:pPr/>
+                <a14:m>
+                  <m:oMathPara xmlns:m="http://schemas.openxmlformats.org/officeDocument/2006/math">
+                    <m:oMathParaPr>
+                      <m:jc m:val="centerGroup"/>
+                    </m:oMathParaPr>
+                    <m:oMath xmlns:m="http://schemas.openxmlformats.org/officeDocument/2006/math">
+                      <m:r>
+                        <a:rPr lang="fr-FR" sz="1100" b="0" i="1" smtClean="0">
+                          <a:latin typeface="Cambria Math"/>
+                        </a:rPr>
+                        <m:t>𝜃</m:t>
+                      </m:r>
+                    </m:oMath>
+                  </m:oMathPara>
+                </a14:m>
+                <a:endParaRPr lang="fr-FR" sz="1100" dirty="0"/>
+              </a:p>
+            </p:txBody>
+          </p:sp>
+        </mc:Choice>
+        <mc:Fallback xmlns="">
+          <p:sp>
+            <p:nvSpPr>
+              <p:cNvPr id="30" name="ZoneTexte 29"/>
+              <p:cNvSpPr txBox="1">
+                <a:spLocks noRot="1" noChangeAspect="1" noMove="1" noResize="1" noEditPoints="1" noAdjustHandles="1" noChangeArrowheads="1" noChangeShapeType="1" noTextEdit="1"/>
+              </p:cNvSpPr>
+              <p:nvPr/>
+            </p:nvSpPr>
+            <p:spPr>
+              <a:xfrm>
+                <a:off x="2616279" y="2247572"/>
+                <a:ext cx="300980" cy="261610"/>
+              </a:xfrm>
+              <a:prstGeom prst="rect">
+                <a:avLst/>
+              </a:prstGeom>
+              <a:blipFill rotWithShape="1">
+                <a:blip r:embed="rId8"/>
+                <a:stretch>
+                  <a:fillRect/>
+                </a:stretch>
+              </a:blipFill>
+            </p:spPr>
+            <p:txBody>
+              <a:bodyPr/>
+              <a:lstStyle/>
+              <a:p>
+                <a:r>
+                  <a:rPr lang="fr-FR">
+                    <a:noFill/>
+                  </a:rPr>
+                  <a:t> </a:t>
+                </a:r>
+              </a:p>
+            </p:txBody>
+          </p:sp>
+        </mc:Fallback>
+      </mc:AlternateContent>
+      <mc:AlternateContent xmlns:mc="http://schemas.openxmlformats.org/markup-compatibility/2006" xmlns:a14="http://schemas.microsoft.com/office/drawing/2010/main">
+        <mc:Choice Requires="a14">
+          <p:sp>
+            <p:nvSpPr>
+              <p:cNvPr id="31" name="ZoneTexte 30"/>
+              <p:cNvSpPr txBox="1"/>
+              <p:nvPr/>
+            </p:nvSpPr>
+            <p:spPr>
+              <a:xfrm>
+                <a:off x="4256081" y="1782943"/>
+                <a:ext cx="315919" cy="261610"/>
+              </a:xfrm>
+              <a:prstGeom prst="rect">
+                <a:avLst/>
+              </a:prstGeom>
+              <a:noFill/>
+            </p:spPr>
+            <p:txBody>
+              <a:bodyPr wrap="none" rtlCol="0">
+                <a:spAutoFit/>
+              </a:bodyPr>
+              <a:lstStyle/>
+              <a:p>
+                <a:pPr/>
+                <a14:m>
+                  <m:oMathPara xmlns:m="http://schemas.openxmlformats.org/officeDocument/2006/math">
+                    <m:oMathParaPr>
+                      <m:jc m:val="centerGroup"/>
+                    </m:oMathParaPr>
+                    <m:oMath xmlns:m="http://schemas.openxmlformats.org/officeDocument/2006/math">
+                      <m:r>
+                        <a:rPr lang="fr-FR" sz="1100" b="0" i="1" smtClean="0">
+                          <a:latin typeface="Cambria Math"/>
+                        </a:rPr>
+                        <m:t>𝜑</m:t>
+                      </m:r>
+                    </m:oMath>
+                  </m:oMathPara>
+                </a14:m>
+                <a:endParaRPr lang="fr-FR" sz="1100" dirty="0"/>
+              </a:p>
+            </p:txBody>
+          </p:sp>
+        </mc:Choice>
+        <mc:Fallback xmlns="">
+          <p:sp>
+            <p:nvSpPr>
+              <p:cNvPr id="31" name="ZoneTexte 30"/>
+              <p:cNvSpPr txBox="1">
+                <a:spLocks noRot="1" noChangeAspect="1" noMove="1" noResize="1" noEditPoints="1" noAdjustHandles="1" noChangeArrowheads="1" noChangeShapeType="1" noTextEdit="1"/>
+              </p:cNvSpPr>
+              <p:nvPr/>
+            </p:nvSpPr>
+            <p:spPr>
+              <a:xfrm>
+                <a:off x="4256081" y="1782943"/>
+                <a:ext cx="315919" cy="261610"/>
+              </a:xfrm>
+              <a:prstGeom prst="rect">
+                <a:avLst/>
+              </a:prstGeom>
+              <a:blipFill rotWithShape="1">
+                <a:blip r:embed="rId9"/>
+                <a:stretch>
+                  <a:fillRect/>
+                </a:stretch>
+              </a:blipFill>
+            </p:spPr>
+            <p:txBody>
+              <a:bodyPr/>
+              <a:lstStyle/>
+              <a:p>
+                <a:r>
+                  <a:rPr lang="fr-FR">
+                    <a:noFill/>
+                  </a:rPr>
+                  <a:t> </a:t>
+                </a:r>
+              </a:p>
+            </p:txBody>
+          </p:sp>
+        </mc:Fallback>
+      </mc:AlternateContent>
+      <p:sp>
+        <p:nvSpPr>
+          <p:cNvPr id="32" name="Arc 31"/>
+          <p:cNvSpPr/>
+          <p:nvPr/>
+        </p:nvSpPr>
+        <p:spPr>
+          <a:xfrm rot="16200000">
+            <a:off x="3172673" y="1685552"/>
+            <a:ext cx="1372650" cy="930610"/>
+          </a:xfrm>
+          <a:prstGeom prst="arc">
+            <a:avLst>
+              <a:gd name="adj1" fmla="val 2599982"/>
+              <a:gd name="adj2" fmla="val 5303645"/>
+            </a:avLst>
+          </a:prstGeom>
+          <a:noFill/>
+          <a:ln w="19050">
+            <a:solidFill>
+              <a:srgbClr val="002060"/>
+            </a:solidFill>
+            <a:headEnd type="stealth" w="med" len="lg"/>
+          </a:ln>
+        </p:spPr>
+        <p:style>
+          <a:lnRef idx="2">
+            <a:schemeClr val="accent1">
+              <a:shade val="50000"/>
+            </a:schemeClr>
+          </a:lnRef>
+          <a:fillRef idx="1">
+            <a:schemeClr val="accent1"/>
+          </a:fillRef>
+          <a:effectRef idx="0">
+            <a:schemeClr val="accent1"/>
+          </a:effectRef>
+          <a:fontRef idx="minor">
+            <a:schemeClr val="lt1"/>
+          </a:fontRef>
+        </p:style>
+        <p:txBody>
+          <a:bodyPr rtlCol="0" anchor="ctr"/>
+          <a:lstStyle/>
+          <a:p>
+            <a:pPr algn="ctr"/>
+            <a:endParaRPr lang="fr-FR">
+              <a:solidFill>
+                <a:schemeClr val="lt1"/>
+              </a:solidFill>
+            </a:endParaRPr>
+          </a:p>
+        </p:txBody>
+      </p:sp>
+    </p:spTree>
+    <p:extLst>
+      <p:ext uri="{BB962C8B-B14F-4D97-AF65-F5344CB8AC3E}">
+        <p14:creationId xmlns:p14="http://schemas.microsoft.com/office/powerpoint/2010/main" val="1318032095"/>
+      </p:ext>
+    </p:extLst>
+  </p:cSld>
+  <p:clrMapOvr>
+    <a:masterClrMapping/>
+  </p:clrMapOvr>
+</p:sld>
+</file>
+
+<file path=ppt/slides/slide5.xml><?xml version="1.0" encoding="utf-8"?>
+<p:sld xmlns:a="http://schemas.openxmlformats.org/drawingml/2006/main" xmlns:r="http://schemas.openxmlformats.org/officeDocument/2006/relationships" xmlns:p="http://schemas.openxmlformats.org/presentationml/2006/main">
+  <p:cSld>
+    <p:spTree>
+      <p:nvGrpSpPr>
+        <p:cNvPr id="1" name=""/>
+        <p:cNvGrpSpPr/>
+        <p:nvPr/>
+      </p:nvGrpSpPr>
+      <p:grpSpPr>
+        <a:xfrm>
+          <a:off x="0" y="0"/>
+          <a:ext cx="0" cy="0"/>
+          <a:chOff x="0" y="0"/>
+          <a:chExt cx="0" cy="0"/>
+        </a:xfrm>
+      </p:grpSpPr>
       <p:pic>
         <p:nvPicPr>
           <p:cNvPr id="1026" name="Picture 2" descr="http://www.science-et-vie.com/wp-content/uploads/2012/08/Galaxie_NGC_1187_ESO.jpg"/>
@@ -9039,7 +10527,7 @@
 </p:sld>
 </file>
 
-<file path=ppt/slides/slide5.xml><?xml version="1.0" encoding="utf-8"?>
+<file path=ppt/slides/slide6.xml><?xml version="1.0" encoding="utf-8"?>
 <p:sld xmlns:a="http://schemas.openxmlformats.org/drawingml/2006/main" xmlns:r="http://schemas.openxmlformats.org/officeDocument/2006/relationships" xmlns:p="http://schemas.openxmlformats.org/presentationml/2006/main">
   <p:cSld>
     <p:spTree>
@@ -9113,15 +10601,6 @@
                 <a:tailEnd/>
               </a14:hiddenLine>
             </a:ext>
-            <a:ext uri="{AF507438-7753-43E0-B8FC-AC1667EBCBE1}">
-              <a14:hiddenEffects xmlns:a14="http://schemas.microsoft.com/office/drawing/2010/main">
-                <a:effectLst>
-                  <a:outerShdw dist="35921" dir="2700000" algn="ctr" rotWithShape="0">
-                    <a:schemeClr val="bg2"/>
-                  </a:outerShdw>
-                </a:effectLst>
-              </a14:hiddenEffects>
-            </a:ext>
           </a:extLst>
         </p:spPr>
       </p:pic>
@@ -9182,14 +10661,104 @@
                 <a:tailEnd/>
               </a14:hiddenLine>
             </a:ext>
-            <a:ext uri="{AF507438-7753-43E0-B8FC-AC1667EBCBE1}">
-              <a14:hiddenEffects xmlns:a14="http://schemas.microsoft.com/office/drawing/2010/main">
-                <a:effectLst>
-                  <a:outerShdw dist="35921" dir="2700000" algn="ctr" rotWithShape="0">
-                    <a:schemeClr val="bg2"/>
-                  </a:outerShdw>
-                </a:effectLst>
-              </a14:hiddenEffects>
+          </a:extLst>
+        </p:spPr>
+      </p:pic>
+    </p:spTree>
+    <p:extLst>
+      <p:ext uri="{BB962C8B-B14F-4D97-AF65-F5344CB8AC3E}">
+        <p14:creationId xmlns:p14="http://schemas.microsoft.com/office/powerpoint/2010/main" val="3447771414"/>
+      </p:ext>
+    </p:extLst>
+  </p:cSld>
+  <p:clrMapOvr>
+    <a:masterClrMapping/>
+  </p:clrMapOvr>
+</p:sld>
+</file>
+
+<file path=ppt/slides/slide7.xml><?xml version="1.0" encoding="utf-8"?>
+<p:sld xmlns:a="http://schemas.openxmlformats.org/drawingml/2006/main" xmlns:r="http://schemas.openxmlformats.org/officeDocument/2006/relationships" xmlns:p="http://schemas.openxmlformats.org/presentationml/2006/main">
+  <p:cSld>
+    <p:spTree>
+      <p:nvGrpSpPr>
+        <p:cNvPr id="1" name=""/>
+        <p:cNvGrpSpPr/>
+        <p:nvPr/>
+      </p:nvGrpSpPr>
+      <p:grpSpPr>
+        <a:xfrm>
+          <a:off x="0" y="0"/>
+          <a:ext cx="0" cy="0"/>
+          <a:chOff x="0" y="0"/>
+          <a:chExt cx="0" cy="0"/>
+        </a:xfrm>
+      </p:grpSpPr>
+      <p:sp>
+        <p:nvSpPr>
+          <p:cNvPr id="2" name="Titre 1"/>
+          <p:cNvSpPr>
+            <a:spLocks noGrp="1"/>
+          </p:cNvSpPr>
+          <p:nvPr>
+            <p:ph type="title"/>
+          </p:nvPr>
+        </p:nvSpPr>
+        <p:spPr/>
+        <p:txBody>
+          <a:bodyPr/>
+          <a:lstStyle/>
+          <a:p>
+            <a:endParaRPr lang="fr-FR"/>
+          </a:p>
+        </p:txBody>
+      </p:sp>
+      <p:pic>
+        <p:nvPicPr>
+          <p:cNvPr id="1026" name="Picture 2" descr="C:\Enseignement\GitHub\TP_Documents\Telescope\EtudeTheorique\images\tel_01.png"/>
+          <p:cNvPicPr>
+            <a:picLocks noChangeAspect="1" noChangeArrowheads="1"/>
+          </p:cNvPicPr>
+          <p:nvPr/>
+        </p:nvPicPr>
+        <p:blipFill>
+          <a:blip r:embed="rId2">
+            <a:extLst>
+              <a:ext uri="{28A0092B-C50C-407E-A947-70E740481C1C}">
+                <a14:useLocalDpi xmlns:a14="http://schemas.microsoft.com/office/drawing/2010/main" val="0"/>
+              </a:ext>
+            </a:extLst>
+          </a:blip>
+          <a:srcRect/>
+          <a:stretch>
+            <a:fillRect/>
+          </a:stretch>
+        </p:blipFill>
+        <p:spPr bwMode="auto">
+          <a:xfrm>
+            <a:off x="755576" y="-320855"/>
+            <a:ext cx="4495801" cy="5575300"/>
+          </a:xfrm>
+          <a:prstGeom prst="rect">
+            <a:avLst/>
+          </a:prstGeom>
+          <a:ln>
+            <a:noFill/>
+          </a:ln>
+          <a:effectLst>
+            <a:outerShdw blurRad="292100" dist="139700" dir="2700000" algn="tl" rotWithShape="0">
+              <a:srgbClr val="333333">
+                <a:alpha val="65000"/>
+              </a:srgbClr>
+            </a:outerShdw>
+          </a:effectLst>
+          <a:extLst>
+            <a:ext uri="{909E8E84-426E-40DD-AFC4-6F175D3DCCD1}">
+              <a14:hiddenFill xmlns:a14="http://schemas.microsoft.com/office/drawing/2010/main">
+                <a:solidFill>
+                  <a:srgbClr val="FFFFFF"/>
+                </a:solidFill>
+              </a14:hiddenFill>
             </a:ext>
           </a:extLst>
         </p:spPr>
@@ -9197,7 +10766,7 @@
     </p:spTree>
     <p:extLst>
       <p:ext uri="{BB962C8B-B14F-4D97-AF65-F5344CB8AC3E}">
-        <p14:creationId xmlns:p14="http://schemas.microsoft.com/office/powerpoint/2010/main" val="3447771414"/>
+        <p14:creationId xmlns:p14="http://schemas.microsoft.com/office/powerpoint/2010/main" val="4180072255"/>
       </p:ext>
     </p:extLst>
   </p:cSld>
